--- a/0 발표용 파워포인트/포맷 변경.pptx
+++ b/0 발표용 파워포인트/포맷 변경.pptx
@@ -15,16 +15,16 @@
   <p:notesSz cx="6858000" cy="9144000"/>
   <p:embeddedFontLst>
     <p:embeddedFont>
-      <p:font typeface="맑은 고딕" panose="020B0503020000020004" pitchFamily="50" charset="-127"/>
+      <p:font typeface="Montserrat" panose="020B0604020202020204" charset="0"/>
       <p:regular r:id="rId5"/>
       <p:bold r:id="rId6"/>
+      <p:italic r:id="rId7"/>
+      <p:boldItalic r:id="rId8"/>
     </p:embeddedFont>
     <p:embeddedFont>
-      <p:font typeface="Montserrat" panose="020B0604020202020204" charset="0"/>
-      <p:regular r:id="rId7"/>
-      <p:bold r:id="rId8"/>
-      <p:italic r:id="rId9"/>
-      <p:boldItalic r:id="rId10"/>
+      <p:font typeface="맑은 고딕" panose="020B0503020000020004" pitchFamily="50" charset="-127"/>
+      <p:regular r:id="rId9"/>
+      <p:bold r:id="rId10"/>
     </p:embeddedFont>
   </p:embeddedFontLst>
   <p:defaultTextStyle>
@@ -3195,16 +3195,6 @@
               </a:rPr>
               <a:t>자</a:t>
             </a:r>
-            <a:endParaRPr lang="ko-KR" altLang="en-US" sz="1800" b="1" dirty="0">
-              <a:solidFill>
-                <a:schemeClr val="tx1">
-                  <a:lumMod val="75000"/>
-                  <a:lumOff val="25000"/>
-                </a:schemeClr>
-              </a:solidFill>
-              <a:latin typeface="+mj-ea"/>
-              <a:ea typeface="+mj-ea"/>
-            </a:endParaRPr>
           </a:p>
         </p:txBody>
       </p:sp>
@@ -4849,7 +4839,7 @@
               <a:t>] </a:t>
             </a:r>
             <a:r>
-              <a:rPr lang="ko-KR" altLang="en-US" sz="1500" b="1" dirty="0">
+              <a:rPr lang="ko-KR" altLang="en-US" sz="1500" b="1" dirty="0" smtClean="0">
                 <a:solidFill>
                   <a:schemeClr val="tx1">
                     <a:lumMod val="75000"/>
@@ -4859,10 +4849,10 @@
                 <a:latin typeface="+mj-ea"/>
                 <a:ea typeface="+mj-ea"/>
               </a:rPr>
-              <a:t>사용자 </a:t>
+              <a:t>상품상세보기 </a:t>
             </a:r>
             <a:r>
-              <a:rPr lang="en-US" altLang="ko-KR" sz="1500" b="1" dirty="0">
+              <a:rPr lang="en-US" altLang="ko-KR" sz="1500" b="1" dirty="0" smtClean="0">
                 <a:solidFill>
                   <a:schemeClr val="tx1">
                     <a:lumMod val="75000"/>
@@ -4872,49 +4862,10 @@
                 <a:latin typeface="+mj-ea"/>
                 <a:ea typeface="+mj-ea"/>
               </a:rPr>
-              <a:t>– </a:t>
+              <a:t>- </a:t>
             </a:r>
             <a:r>
-              <a:rPr lang="ko-KR" altLang="en-US" sz="1500" b="1" dirty="0" err="1">
-                <a:solidFill>
-                  <a:schemeClr val="tx1">
-                    <a:lumMod val="75000"/>
-                    <a:lumOff val="25000"/>
-                  </a:schemeClr>
-                </a:solidFill>
-                <a:latin typeface="+mj-ea"/>
-                <a:ea typeface="+mj-ea"/>
-              </a:rPr>
-              <a:t>모바일</a:t>
-            </a:r>
-            <a:r>
-              <a:rPr lang="ko-KR" altLang="en-US" sz="1500" b="1" dirty="0">
-                <a:solidFill>
-                  <a:schemeClr val="tx1">
-                    <a:lumMod val="75000"/>
-                    <a:lumOff val="25000"/>
-                  </a:schemeClr>
-                </a:solidFill>
-                <a:latin typeface="+mj-ea"/>
-                <a:ea typeface="+mj-ea"/>
-              </a:rPr>
-              <a:t> </a:t>
-            </a:r>
-            <a:r>
-              <a:rPr lang="en-US" altLang="ko-KR" sz="1500" b="1" dirty="0">
-                <a:solidFill>
-                  <a:schemeClr val="tx1">
-                    <a:lumMod val="75000"/>
-                    <a:lumOff val="25000"/>
-                  </a:schemeClr>
-                </a:solidFill>
-                <a:latin typeface="+mj-ea"/>
-                <a:ea typeface="+mj-ea"/>
-              </a:rPr>
-              <a:t>– </a:t>
-            </a:r>
-            <a:r>
-              <a:rPr lang="ko-KR" altLang="en-US" sz="1500" b="1" dirty="0" err="1">
+              <a:rPr lang="ko-KR" altLang="en-US" sz="1500" b="1" dirty="0" err="1" smtClean="0">
                 <a:solidFill>
                   <a:schemeClr val="tx1">
                     <a:lumMod val="75000"/>
@@ -4927,7 +4878,7 @@
               <a:t>리워드</a:t>
             </a:r>
             <a:r>
-              <a:rPr lang="ko-KR" altLang="en-US" sz="1500" b="1" dirty="0">
+              <a:rPr lang="ko-KR" altLang="en-US" sz="1500" b="1" dirty="0" smtClean="0">
                 <a:solidFill>
                   <a:schemeClr val="tx1">
                     <a:lumMod val="75000"/>
@@ -4940,7 +4891,7 @@
               <a:t> 스토어 </a:t>
             </a:r>
             <a:r>
-              <a:rPr lang="en-US" altLang="ko-KR" sz="1500" b="1" dirty="0">
+              <a:rPr lang="en-US" altLang="ko-KR" sz="1500" b="1" dirty="0" smtClean="0">
                 <a:solidFill>
                   <a:schemeClr val="tx1">
                     <a:lumMod val="75000"/>
@@ -4950,10 +4901,10 @@
                 <a:latin typeface="+mj-ea"/>
                 <a:ea typeface="+mj-ea"/>
               </a:rPr>
-              <a:t>– </a:t>
+              <a:t>- </a:t>
             </a:r>
             <a:r>
-              <a:rPr lang="ko-KR" altLang="en-US" sz="1500" b="1" dirty="0">
+              <a:rPr lang="ko-KR" altLang="en-US" sz="1500" b="1" dirty="0" smtClean="0">
                 <a:solidFill>
                   <a:schemeClr val="tx1">
                     <a:lumMod val="75000"/>
@@ -4963,8 +4914,18 @@
                 <a:latin typeface="+mj-ea"/>
                 <a:ea typeface="+mj-ea"/>
               </a:rPr>
-              <a:t>상품상세보기</a:t>
+              <a:t>사용자</a:t>
             </a:r>
+            <a:endParaRPr lang="ko-KR" altLang="en-US" sz="1500" b="1" dirty="0">
+              <a:solidFill>
+                <a:schemeClr val="tx1">
+                  <a:lumMod val="75000"/>
+                  <a:lumOff val="25000"/>
+                </a:schemeClr>
+              </a:solidFill>
+              <a:latin typeface="+mj-ea"/>
+              <a:ea typeface="+mj-ea"/>
+            </a:endParaRPr>
           </a:p>
         </p:txBody>
       </p:sp>

--- a/0 발표용 파워포인트/포맷 변경.pptx
+++ b/0 발표용 파워포인트/포맷 변경.pptx
@@ -15,16 +15,21 @@
   <p:notesSz cx="6858000" cy="9144000"/>
   <p:embeddedFontLst>
     <p:embeddedFont>
-      <p:font typeface="Montserrat" panose="020B0604020202020204" charset="0"/>
+      <p:font typeface="맑은 고딕" pitchFamily="50" charset="-127"/>
       <p:regular r:id="rId5"/>
       <p:bold r:id="rId6"/>
-      <p:italic r:id="rId7"/>
-      <p:boldItalic r:id="rId8"/>
     </p:embeddedFont>
     <p:embeddedFont>
-      <p:font typeface="맑은 고딕" panose="020B0503020000020004" pitchFamily="50" charset="-127"/>
-      <p:regular r:id="rId9"/>
-      <p:bold r:id="rId10"/>
+      <p:font typeface="Montserrat" charset="0"/>
+      <p:regular r:id="rId7"/>
+      <p:bold r:id="rId8"/>
+      <p:italic r:id="rId9"/>
+      <p:boldItalic r:id="rId10"/>
+    </p:embeddedFont>
+    <p:embeddedFont>
+      <p:font typeface="나눔바른고딕" pitchFamily="50" charset="-127"/>
+      <p:regular r:id="rId11"/>
+      <p:bold r:id="rId12"/>
     </p:embeddedFont>
   </p:embeddedFontLst>
   <p:defaultTextStyle>
@@ -3340,14 +3345,14 @@
           <p:nvPr>
             <p:extLst>
               <p:ext uri="{D42A27DB-BD31-4B8C-83A1-F6EECF244321}">
-                <p14:modId xmlns:p14="http://schemas.microsoft.com/office/powerpoint/2010/main" val="4232967389"/>
+                <p14:modId xmlns:p14="http://schemas.microsoft.com/office/powerpoint/2010/main" val="3562103377"/>
               </p:ext>
             </p:extLst>
           </p:nvPr>
         </p:nvGraphicFramePr>
         <p:xfrm>
           <a:off x="6876256" y="1859365"/>
-          <a:ext cx="2016224" cy="2799407"/>
+          <a:ext cx="2016224" cy="2783024"/>
         </p:xfrm>
         <a:graphic>
           <a:graphicData uri="http://schemas.openxmlformats.org/drawingml/2006/table">
@@ -3415,7 +3420,7 @@
                     <a:bodyPr/>
                     <a:lstStyle/>
                     <a:p>
-                      <a:pPr algn="ctr" latinLnBrk="1"/>
+                      <a:pPr algn="ctr" latinLnBrk="0"/>
                       <a:r>
                         <a:rPr lang="en-US" altLang="ko-KR" sz="1000" dirty="0" smtClean="0">
                           <a:latin typeface="+mj-ea"/>
@@ -3436,25 +3441,25 @@
                     <a:bodyPr/>
                     <a:lstStyle/>
                     <a:p>
-                      <a:pPr algn="l" latinLnBrk="1">
+                      <a:pPr algn="l" latinLnBrk="0">
                         <a:lnSpc>
                           <a:spcPts val="1300"/>
                         </a:lnSpc>
                       </a:pPr>
                       <a:r>
-                        <a:rPr lang="ko-KR" altLang="en-US" sz="900" b="1" smtClean="0">
+                        <a:rPr lang="ko-KR" altLang="en-US" sz="900" b="1" dirty="0" smtClean="0">
                           <a:latin typeface="+mj-ea"/>
                           <a:ea typeface="+mj-ea"/>
                         </a:rPr>
                         <a:t>카테고리</a:t>
                       </a:r>
-                      <a:endParaRPr lang="en-US" altLang="ko-KR" sz="900" b="1" smtClean="0">
+                      <a:endParaRPr lang="en-US" altLang="ko-KR" sz="900" b="1" dirty="0" smtClean="0">
                         <a:latin typeface="+mj-ea"/>
                         <a:ea typeface="+mj-ea"/>
                       </a:endParaRPr>
                     </a:p>
                     <a:p>
-                      <a:pPr marL="171450" indent="-171450" algn="l" latinLnBrk="1">
+                      <a:pPr marL="171450" indent="-171450" algn="l" latinLnBrk="0">
                         <a:lnSpc>
                           <a:spcPts val="1300"/>
                         </a:lnSpc>
@@ -3462,20 +3467,20 @@
                         <a:buChar char="-"/>
                       </a:pPr>
                       <a:r>
-                        <a:rPr lang="ko-KR" altLang="en-US" sz="900" b="1" smtClean="0">
+                        <a:rPr lang="ko-KR" altLang="en-US" sz="900" b="0" dirty="0" smtClean="0">
                           <a:latin typeface="+mj-ea"/>
                           <a:ea typeface="+mj-ea"/>
                         </a:rPr>
                         <a:t>카테고리 별로</a:t>
                       </a:r>
                       <a:r>
-                        <a:rPr lang="ko-KR" altLang="en-US" sz="900" b="1" baseline="0" smtClean="0">
+                        <a:rPr lang="ko-KR" altLang="en-US" sz="900" b="0" baseline="0" dirty="0" smtClean="0">
                           <a:latin typeface="+mj-ea"/>
                           <a:ea typeface="+mj-ea"/>
                         </a:rPr>
                         <a:t> 상품 목록을 보여줌</a:t>
                       </a:r>
-                      <a:endParaRPr lang="ko-KR" altLang="en-US" sz="900" dirty="0">
+                      <a:endParaRPr lang="ko-KR" altLang="en-US" sz="900" b="0" dirty="0">
                         <a:latin typeface="+mj-ea"/>
                         <a:ea typeface="+mj-ea"/>
                       </a:endParaRPr>
@@ -3490,7 +3495,7 @@
                     <a:bodyPr/>
                     <a:lstStyle/>
                     <a:p>
-                      <a:pPr algn="ctr" latinLnBrk="1"/>
+                      <a:pPr algn="ctr" latinLnBrk="0"/>
                       <a:r>
                         <a:rPr lang="en-US" altLang="ko-KR" sz="1000" dirty="0" smtClean="0">
                           <a:latin typeface="+mj-ea"/>
@@ -3511,63 +3516,11 @@
                     <a:bodyPr/>
                     <a:lstStyle/>
                     <a:p>
-                      <a:pPr algn="l" latinLnBrk="1">
+                      <a:pPr algn="l" latinLnBrk="0">
                         <a:lnSpc>
                           <a:spcPts val="1300"/>
                         </a:lnSpc>
                       </a:pPr>
-                      <a:r>
-                        <a:rPr lang="ko-KR" altLang="en-US" sz="900" b="0" i="0" u="none" strike="noStrike" cap="none" smtClean="0">
-                          <a:solidFill>
-                            <a:srgbClr val="000000"/>
-                          </a:solidFill>
-                          <a:latin typeface="+mj-ea"/>
-                          <a:ea typeface="Arial"/>
-                          <a:cs typeface="Arial"/>
-                          <a:sym typeface="Arial"/>
-                        </a:rPr>
-                        <a:t>검색</a:t>
-                      </a:r>
-                      <a:endParaRPr lang="en-US" altLang="ko-KR" sz="900" b="0" i="0" u="none" strike="noStrike" cap="none" smtClean="0">
-                        <a:solidFill>
-                          <a:srgbClr val="000000"/>
-                        </a:solidFill>
-                        <a:latin typeface="+mj-ea"/>
-                        <a:ea typeface="Arial"/>
-                        <a:cs typeface="Arial"/>
-                        <a:sym typeface="Arial"/>
-                      </a:endParaRPr>
-                    </a:p>
-                    <a:p>
-                      <a:pPr algn="l" latinLnBrk="1">
-                        <a:lnSpc>
-                          <a:spcPts val="1300"/>
-                        </a:lnSpc>
-                      </a:pPr>
-                      <a:r>
-                        <a:rPr lang="ko-KR" altLang="en-US" sz="900" b="0" i="0" u="none" strike="noStrike" cap="none" smtClean="0">
-                          <a:solidFill>
-                            <a:srgbClr val="000000"/>
-                          </a:solidFill>
-                          <a:latin typeface="+mj-ea"/>
-                          <a:ea typeface="Arial"/>
-                          <a:cs typeface="Arial"/>
-                          <a:sym typeface="Arial"/>
-                        </a:rPr>
-                        <a:t>해당 키워드</a:t>
-                      </a:r>
-                      <a:r>
-                        <a:rPr lang="ko-KR" altLang="en-US" sz="900" b="0" i="0" u="none" strike="noStrike" cap="none" baseline="0" smtClean="0">
-                          <a:solidFill>
-                            <a:srgbClr val="000000"/>
-                          </a:solidFill>
-                          <a:latin typeface="+mj-ea"/>
-                          <a:ea typeface="Arial"/>
-                          <a:cs typeface="Arial"/>
-                          <a:sym typeface="Arial"/>
-                        </a:rPr>
-                        <a:t>를 검색할 수 있음</a:t>
-                      </a:r>
                       <a:endParaRPr lang="ko-KR" altLang="en-US" sz="900" b="0" i="0" u="none" strike="noStrike" cap="none" dirty="0" smtClean="0">
                         <a:solidFill>
                           <a:srgbClr val="000000"/>
@@ -3588,7 +3541,7 @@
                     <a:bodyPr/>
                     <a:lstStyle/>
                     <a:p>
-                      <a:pPr algn="ctr" latinLnBrk="1"/>
+                      <a:pPr algn="ctr" latinLnBrk="0"/>
                       <a:r>
                         <a:rPr lang="en-US" altLang="ko-KR" sz="1000" smtClean="0">
                           <a:latin typeface="+mj-ea"/>
@@ -3609,36 +3562,11 @@
                     <a:bodyPr/>
                     <a:lstStyle/>
                     <a:p>
-                      <a:pPr algn="l" latinLnBrk="1">
+                      <a:pPr algn="l" latinLnBrk="0">
                         <a:lnSpc>
                           <a:spcPts val="1300"/>
                         </a:lnSpc>
                       </a:pPr>
-                      <a:r>
-                        <a:rPr lang="ko-KR" altLang="en-US" sz="900" smtClean="0">
-                          <a:latin typeface="+mj-ea"/>
-                          <a:ea typeface="+mj-ea"/>
-                        </a:rPr>
-                        <a:t>해당 상품 클릭하면 </a:t>
-                      </a:r>
-                      <a:endParaRPr lang="en-US" altLang="ko-KR" sz="900" smtClean="0">
-                        <a:latin typeface="+mj-ea"/>
-                        <a:ea typeface="+mj-ea"/>
-                      </a:endParaRPr>
-                    </a:p>
-                    <a:p>
-                      <a:pPr algn="l" latinLnBrk="1">
-                        <a:lnSpc>
-                          <a:spcPts val="1300"/>
-                        </a:lnSpc>
-                      </a:pPr>
-                      <a:r>
-                        <a:rPr lang="ko-KR" altLang="en-US" sz="900" smtClean="0">
-                          <a:latin typeface="+mj-ea"/>
-                          <a:ea typeface="+mj-ea"/>
-                        </a:rPr>
-                        <a:t>상세 페이지로 이동</a:t>
-                      </a:r>
                       <a:endParaRPr lang="ko-KR" altLang="en-US" sz="900" dirty="0">
                         <a:latin typeface="+mj-ea"/>
                         <a:ea typeface="+mj-ea"/>
@@ -3654,7 +3582,7 @@
                     <a:bodyPr/>
                     <a:lstStyle/>
                     <a:p>
-                      <a:pPr algn="ctr" latinLnBrk="1"/>
+                      <a:pPr algn="ctr" latinLnBrk="0"/>
                       <a:r>
                         <a:rPr lang="en-US" altLang="ko-KR" sz="1000" dirty="0" smtClean="0">
                           <a:latin typeface="+mj-ea"/>
@@ -3675,7 +3603,7 @@
                     <a:bodyPr/>
                     <a:lstStyle/>
                     <a:p>
-                      <a:pPr algn="l" latinLnBrk="1">
+                      <a:pPr algn="l" latinLnBrk="0">
                         <a:lnSpc>
                           <a:spcPts val="1300"/>
                         </a:lnSpc>
@@ -3695,7 +3623,7 @@
                     <a:bodyPr/>
                     <a:lstStyle/>
                     <a:p>
-                      <a:pPr algn="ctr" latinLnBrk="1"/>
+                      <a:pPr algn="ctr" latinLnBrk="0"/>
                       <a:r>
                         <a:rPr lang="en-US" altLang="ko-KR" sz="1000" dirty="0" smtClean="0">
                           <a:latin typeface="+mj-ea"/>
@@ -3716,7 +3644,7 @@
                     <a:bodyPr/>
                     <a:lstStyle/>
                     <a:p>
-                      <a:pPr algn="l" latinLnBrk="1">
+                      <a:pPr algn="l" latinLnBrk="0">
                         <a:lnSpc>
                           <a:spcPts val="1300"/>
                         </a:lnSpc>
@@ -4782,7 +4710,7 @@
         <p:spPr>
           <a:xfrm>
             <a:off x="1693546" y="533598"/>
-            <a:ext cx="6592433" cy="415499"/>
+            <a:ext cx="6592433" cy="386644"/>
           </a:xfrm>
           <a:prstGeom prst="rect">
             <a:avLst/>
@@ -4807,8 +4735,8 @@
                     <a:lumOff val="25000"/>
                   </a:schemeClr>
                 </a:solidFill>
-                <a:latin typeface="+mj-ea"/>
-                <a:ea typeface="+mj-ea"/>
+                <a:latin typeface="나눔바른고딕" pitchFamily="50" charset="-127"/>
+                <a:ea typeface="나눔바른고딕" pitchFamily="50" charset="-127"/>
               </a:rPr>
               <a:t>[ </a:t>
             </a:r>
@@ -4820,8 +4748,8 @@
                     <a:lumOff val="25000"/>
                   </a:schemeClr>
                 </a:solidFill>
-                <a:latin typeface="+mj-ea"/>
-                <a:ea typeface="+mj-ea"/>
+                <a:latin typeface="나눔바른고딕" pitchFamily="50" charset="-127"/>
+                <a:ea typeface="나눔바른고딕" pitchFamily="50" charset="-127"/>
               </a:rPr>
               <a:t>화면설계 </a:t>
             </a:r>
@@ -4833,8 +4761,8 @@
                     <a:lumOff val="25000"/>
                   </a:schemeClr>
                 </a:solidFill>
-                <a:latin typeface="+mj-ea"/>
-                <a:ea typeface="+mj-ea"/>
+                <a:latin typeface="나눔바른고딕" pitchFamily="50" charset="-127"/>
+                <a:ea typeface="나눔바른고딕" pitchFamily="50" charset="-127"/>
               </a:rPr>
               <a:t>] </a:t>
             </a:r>
@@ -4846,8 +4774,8 @@
                     <a:lumOff val="25000"/>
                   </a:schemeClr>
                 </a:solidFill>
-                <a:latin typeface="+mj-ea"/>
-                <a:ea typeface="+mj-ea"/>
+                <a:latin typeface="나눔바른고딕" pitchFamily="50" charset="-127"/>
+                <a:ea typeface="나눔바른고딕" pitchFamily="50" charset="-127"/>
               </a:rPr>
               <a:t>상품상세보기 </a:t>
             </a:r>
@@ -4859,8 +4787,8 @@
                     <a:lumOff val="25000"/>
                   </a:schemeClr>
                 </a:solidFill>
-                <a:latin typeface="+mj-ea"/>
-                <a:ea typeface="+mj-ea"/>
+                <a:latin typeface="나눔바른고딕" pitchFamily="50" charset="-127"/>
+                <a:ea typeface="나눔바른고딕" pitchFamily="50" charset="-127"/>
               </a:rPr>
               <a:t>- </a:t>
             </a:r>
@@ -4872,8 +4800,8 @@
                     <a:lumOff val="25000"/>
                   </a:schemeClr>
                 </a:solidFill>
-                <a:latin typeface="+mj-ea"/>
-                <a:ea typeface="+mj-ea"/>
+                <a:latin typeface="나눔바른고딕" pitchFamily="50" charset="-127"/>
+                <a:ea typeface="나눔바른고딕" pitchFamily="50" charset="-127"/>
               </a:rPr>
               <a:t>리워드</a:t>
             </a:r>
@@ -4885,8 +4813,8 @@
                     <a:lumOff val="25000"/>
                   </a:schemeClr>
                 </a:solidFill>
-                <a:latin typeface="+mj-ea"/>
-                <a:ea typeface="+mj-ea"/>
+                <a:latin typeface="나눔바른고딕" pitchFamily="50" charset="-127"/>
+                <a:ea typeface="나눔바른고딕" pitchFamily="50" charset="-127"/>
               </a:rPr>
               <a:t> 스토어 </a:t>
             </a:r>
@@ -4898,8 +4826,8 @@
                     <a:lumOff val="25000"/>
                   </a:schemeClr>
                 </a:solidFill>
-                <a:latin typeface="+mj-ea"/>
-                <a:ea typeface="+mj-ea"/>
+                <a:latin typeface="나눔바른고딕" pitchFamily="50" charset="-127"/>
+                <a:ea typeface="나눔바른고딕" pitchFamily="50" charset="-127"/>
               </a:rPr>
               <a:t>- </a:t>
             </a:r>
@@ -4911,8 +4839,8 @@
                     <a:lumOff val="25000"/>
                   </a:schemeClr>
                 </a:solidFill>
-                <a:latin typeface="+mj-ea"/>
-                <a:ea typeface="+mj-ea"/>
+                <a:latin typeface="나눔바른고딕" pitchFamily="50" charset="-127"/>
+                <a:ea typeface="나눔바른고딕" pitchFamily="50" charset="-127"/>
               </a:rPr>
               <a:t>사용자</a:t>
             </a:r>
@@ -4923,8 +4851,8 @@
                   <a:lumOff val="25000"/>
                 </a:schemeClr>
               </a:solidFill>
-              <a:latin typeface="+mj-ea"/>
-              <a:ea typeface="+mj-ea"/>
+              <a:latin typeface="나눔바른고딕" pitchFamily="50" charset="-127"/>
+              <a:ea typeface="나눔바른고딕" pitchFamily="50" charset="-127"/>
             </a:endParaRPr>
           </a:p>
         </p:txBody>
@@ -4962,14 +4890,14 @@
           <p:nvPr>
             <p:extLst>
               <p:ext uri="{D42A27DB-BD31-4B8C-83A1-F6EECF244321}">
-                <p14:modId xmlns:p14="http://schemas.microsoft.com/office/powerpoint/2010/main" val="2006792008"/>
+                <p14:modId xmlns:p14="http://schemas.microsoft.com/office/powerpoint/2010/main" val="3990059118"/>
               </p:ext>
             </p:extLst>
           </p:nvPr>
         </p:nvGraphicFramePr>
         <p:xfrm>
           <a:off x="6876256" y="1859365"/>
-          <a:ext cx="2016224" cy="2799407"/>
+          <a:ext cx="2016224" cy="2783024"/>
         </p:xfrm>
         <a:graphic>
           <a:graphicData uri="http://schemas.openxmlformats.org/drawingml/2006/table">
@@ -5058,25 +4986,35 @@
                     <a:bodyPr/>
                     <a:lstStyle/>
                     <a:p>
-                      <a:pPr algn="l" latinLnBrk="1">
+                      <a:pPr algn="l" latinLnBrk="0">
                         <a:lnSpc>
                           <a:spcPts val="1300"/>
                         </a:lnSpc>
                       </a:pPr>
                       <a:r>
-                        <a:rPr lang="ko-KR" altLang="en-US" sz="900" b="1" smtClean="0">
+                        <a:rPr lang="ko-KR" altLang="en-US" sz="900" b="1" i="0" u="none" strike="noStrike" cap="none" dirty="0" smtClean="0">
+                          <a:solidFill>
+                            <a:schemeClr val="tx1"/>
+                          </a:solidFill>
                           <a:latin typeface="+mj-ea"/>
-                          <a:ea typeface="+mj-ea"/>
+                          <a:ea typeface="+mn-ea"/>
+                          <a:cs typeface="+mn-cs"/>
+                          <a:sym typeface="Arial"/>
                         </a:rPr>
-                        <a:t>옵션</a:t>
+                        <a:t>카테고리</a:t>
                       </a:r>
-                      <a:endParaRPr lang="en-US" altLang="ko-KR" sz="900" b="1" smtClean="0">
+                      <a:endParaRPr lang="en-US" altLang="ko-KR" sz="900" b="1" i="0" u="none" strike="noStrike" cap="none" dirty="0" smtClean="0">
+                        <a:solidFill>
+                          <a:schemeClr val="tx1"/>
+                        </a:solidFill>
                         <a:latin typeface="+mj-ea"/>
-                        <a:ea typeface="+mj-ea"/>
+                        <a:ea typeface="+mn-ea"/>
+                        <a:cs typeface="+mn-cs"/>
+                        <a:sym typeface="Arial"/>
                       </a:endParaRPr>
                     </a:p>
                     <a:p>
-                      <a:pPr marL="171450" indent="-171450" algn="l" latinLnBrk="1">
+                      <a:pPr marL="171450" indent="-171450" algn="l" latinLnBrk="0">
                         <a:lnSpc>
                           <a:spcPts val="1300"/>
                         </a:lnSpc>
@@ -5084,15 +5022,37 @@
                         <a:buChar char="-"/>
                       </a:pPr>
                       <a:r>
-                        <a:rPr lang="ko-KR" altLang="en-US" sz="900" b="1" smtClean="0">
+                        <a:rPr lang="ko-KR" altLang="en-US" sz="900" b="0" i="0" u="none" strike="noStrike" cap="none" dirty="0" smtClean="0">
+                          <a:solidFill>
+                            <a:schemeClr val="tx1"/>
+                          </a:solidFill>
                           <a:latin typeface="+mj-ea"/>
-                          <a:ea typeface="+mj-ea"/>
+                          <a:ea typeface="+mn-ea"/>
+                          <a:cs typeface="+mn-cs"/>
+                          <a:sym typeface="Arial"/>
                         </a:rPr>
-                        <a:t>해당 옵션을 선택</a:t>
+                        <a:t>카테고리 별로</a:t>
                       </a:r>
-                      <a:endParaRPr lang="ko-KR" altLang="en-US" sz="900" dirty="0">
+                      <a:r>
+                        <a:rPr lang="ko-KR" altLang="en-US" sz="900" b="0" i="0" u="none" strike="noStrike" cap="none" baseline="0" dirty="0" smtClean="0">
+                          <a:solidFill>
+                            <a:schemeClr val="tx1"/>
+                          </a:solidFill>
+                          <a:latin typeface="+mj-ea"/>
+                          <a:ea typeface="+mn-ea"/>
+                          <a:cs typeface="+mn-cs"/>
+                          <a:sym typeface="Arial"/>
+                        </a:rPr>
+                        <a:t> 상품 목록을 보여줌</a:t>
+                      </a:r>
+                      <a:endParaRPr lang="ko-KR" altLang="en-US" sz="900" b="0" i="0" u="none" strike="noStrike" cap="none" dirty="0">
+                        <a:solidFill>
+                          <a:schemeClr val="tx1"/>
+                        </a:solidFill>
                         <a:latin typeface="+mj-ea"/>
-                        <a:ea typeface="+mj-ea"/>
+                        <a:ea typeface="+mn-ea"/>
+                        <a:cs typeface="+mn-cs"/>
+                        <a:sym typeface="Arial"/>
                       </a:endParaRPr>
                     </a:p>
                   </a:txBody>
@@ -5126,75 +5086,11 @@
                     <a:bodyPr/>
                     <a:lstStyle/>
                     <a:p>
-                      <a:pPr algn="l" latinLnBrk="1">
+                      <a:pPr algn="l" latinLnBrk="0">
                         <a:lnSpc>
                           <a:spcPts val="1300"/>
                         </a:lnSpc>
                       </a:pPr>
-                      <a:r>
-                        <a:rPr lang="ko-KR" altLang="en-US" sz="900" b="1" i="0" u="none" strike="noStrike" cap="none" smtClean="0">
-                          <a:solidFill>
-                            <a:srgbClr val="000000"/>
-                          </a:solidFill>
-                          <a:latin typeface="+mj-ea"/>
-                          <a:ea typeface="Arial"/>
-                          <a:cs typeface="Arial"/>
-                          <a:sym typeface="Arial"/>
-                        </a:rPr>
-                        <a:t>구매</a:t>
-                      </a:r>
-                      <a:endParaRPr lang="en-US" altLang="ko-KR" sz="900" b="1" i="0" u="none" strike="noStrike" cap="none" smtClean="0">
-                        <a:solidFill>
-                          <a:srgbClr val="000000"/>
-                        </a:solidFill>
-                        <a:latin typeface="+mj-ea"/>
-                        <a:ea typeface="Arial"/>
-                        <a:cs typeface="Arial"/>
-                        <a:sym typeface="Arial"/>
-                      </a:endParaRPr>
-                    </a:p>
-                    <a:p>
-                      <a:pPr algn="l" latinLnBrk="1">
-                        <a:lnSpc>
-                          <a:spcPts val="1300"/>
-                        </a:lnSpc>
-                      </a:pPr>
-                      <a:r>
-                        <a:rPr lang="en-US" altLang="ko-KR" sz="900" b="1" i="0" u="none" strike="noStrike" cap="none" smtClean="0">
-                          <a:solidFill>
-                            <a:srgbClr val="000000"/>
-                          </a:solidFill>
-                          <a:latin typeface="+mj-ea"/>
-                          <a:ea typeface="Arial"/>
-                          <a:cs typeface="Arial"/>
-                          <a:sym typeface="Arial"/>
-                        </a:rPr>
-                        <a:t>-</a:t>
-                      </a:r>
-                      <a:r>
-                        <a:rPr lang="en-US" altLang="ko-KR" sz="900" b="1" i="0" u="none" strike="noStrike" cap="none" baseline="0" smtClean="0">
-                          <a:solidFill>
-                            <a:srgbClr val="000000"/>
-                          </a:solidFill>
-                          <a:latin typeface="+mj-ea"/>
-                          <a:ea typeface="Arial"/>
-                          <a:cs typeface="Arial"/>
-                          <a:sym typeface="Arial"/>
-                        </a:rPr>
-                        <a:t> </a:t>
-                      </a:r>
-                      <a:r>
-                        <a:rPr lang="ko-KR" altLang="en-US" sz="900" b="1" i="0" u="none" strike="noStrike" cap="none" baseline="0" smtClean="0">
-                          <a:solidFill>
-                            <a:srgbClr val="000000"/>
-                          </a:solidFill>
-                          <a:latin typeface="+mj-ea"/>
-                          <a:ea typeface="Arial"/>
-                          <a:cs typeface="Arial"/>
-                          <a:sym typeface="Arial"/>
-                        </a:rPr>
-                        <a:t>구매하기 버튼 누르면 결제 페이지로 이동</a:t>
-                      </a:r>
                       <a:endParaRPr lang="ko-KR" altLang="en-US" sz="900" b="0" i="0" u="none" strike="noStrike" cap="none" dirty="0" smtClean="0">
                         <a:solidFill>
                           <a:srgbClr val="000000"/>
@@ -5236,7 +5132,7 @@
                     <a:bodyPr/>
                     <a:lstStyle/>
                     <a:p>
-                      <a:pPr algn="l" latinLnBrk="1">
+                      <a:pPr algn="l" latinLnBrk="0">
                         <a:lnSpc>
                           <a:spcPts val="1300"/>
                         </a:lnSpc>
@@ -5277,7 +5173,7 @@
                     <a:bodyPr/>
                     <a:lstStyle/>
                     <a:p>
-                      <a:pPr algn="l" latinLnBrk="1">
+                      <a:pPr algn="l" latinLnBrk="0">
                         <a:lnSpc>
                           <a:spcPts val="1300"/>
                         </a:lnSpc>
@@ -5318,7 +5214,7 @@
                     <a:bodyPr/>
                     <a:lstStyle/>
                     <a:p>
-                      <a:pPr algn="l" latinLnBrk="1">
+                      <a:pPr algn="l" latinLnBrk="0">
                         <a:lnSpc>
                           <a:spcPts val="1300"/>
                         </a:lnSpc>

--- a/0 발표용 파워포인트/포맷 변경.pptx
+++ b/0 발표용 파워포인트/포맷 변경.pptx
@@ -3352,7 +3352,7 @@
         </p:nvGraphicFramePr>
         <p:xfrm>
           <a:off x="6876256" y="1859365"/>
-          <a:ext cx="2016224" cy="2783024"/>
+          <a:ext cx="2016224" cy="2799407"/>
         </p:xfrm>
         <a:graphic>
           <a:graphicData uri="http://schemas.openxmlformats.org/drawingml/2006/table">
@@ -3764,6 +3764,56 @@
           </a:prstGeom>
         </p:spPr>
       </p:pic>
+      <p:sp>
+        <p:nvSpPr>
+          <p:cNvPr id="17" name="직사각형 16"/>
+          <p:cNvSpPr/>
+          <p:nvPr/>
+        </p:nvSpPr>
+        <p:spPr>
+          <a:xfrm>
+            <a:off x="6804248" y="551864"/>
+            <a:ext cx="260566" cy="217585"/>
+          </a:xfrm>
+          <a:prstGeom prst="rect">
+            <a:avLst/>
+          </a:prstGeom>
+          <a:solidFill>
+            <a:srgbClr val="FF9E00"/>
+          </a:solidFill>
+          <a:ln>
+            <a:noFill/>
+          </a:ln>
+        </p:spPr>
+        <p:style>
+          <a:lnRef idx="2">
+            <a:schemeClr val="accent1">
+              <a:shade val="50000"/>
+            </a:schemeClr>
+          </a:lnRef>
+          <a:fillRef idx="1">
+            <a:schemeClr val="accent1"/>
+          </a:fillRef>
+          <a:effectRef idx="0">
+            <a:schemeClr val="accent1"/>
+          </a:effectRef>
+          <a:fontRef idx="minor">
+            <a:schemeClr val="lt1"/>
+          </a:fontRef>
+        </p:style>
+        <p:txBody>
+          <a:bodyPr rtlCol="0" anchor="ctr"/>
+          <a:lstStyle/>
+          <a:p>
+            <a:pPr algn="ctr"/>
+            <a:r>
+              <a:rPr lang="en-US" altLang="ko-KR" sz="1100" b="1" dirty="0" smtClean="0"/>
+              <a:t>1</a:t>
+            </a:r>
+            <a:endParaRPr lang="ko-KR" altLang="en-US" sz="1100" b="1" dirty="0"/>
+          </a:p>
+        </p:txBody>
+      </p:sp>
     </p:spTree>
     <p:extLst>
       <p:ext uri="{BB962C8B-B14F-4D97-AF65-F5344CB8AC3E}">
@@ -4897,7 +4947,7 @@
         </p:nvGraphicFramePr>
         <p:xfrm>
           <a:off x="6876256" y="1859365"/>
-          <a:ext cx="2016224" cy="2783024"/>
+          <a:ext cx="2016224" cy="2799407"/>
         </p:xfrm>
         <a:graphic>
           <a:graphicData uri="http://schemas.openxmlformats.org/drawingml/2006/table">
@@ -5286,6 +5336,56 @@
           </a:extLst>
         </p:spPr>
       </p:pic>
+      <p:sp>
+        <p:nvSpPr>
+          <p:cNvPr id="16" name="직사각형 15"/>
+          <p:cNvSpPr/>
+          <p:nvPr/>
+        </p:nvSpPr>
+        <p:spPr>
+          <a:xfrm>
+            <a:off x="6876256" y="618127"/>
+            <a:ext cx="260566" cy="217585"/>
+          </a:xfrm>
+          <a:prstGeom prst="rect">
+            <a:avLst/>
+          </a:prstGeom>
+          <a:solidFill>
+            <a:srgbClr val="FF9E00"/>
+          </a:solidFill>
+          <a:ln>
+            <a:noFill/>
+          </a:ln>
+        </p:spPr>
+        <p:style>
+          <a:lnRef idx="2">
+            <a:schemeClr val="accent1">
+              <a:shade val="50000"/>
+            </a:schemeClr>
+          </a:lnRef>
+          <a:fillRef idx="1">
+            <a:schemeClr val="accent1"/>
+          </a:fillRef>
+          <a:effectRef idx="0">
+            <a:schemeClr val="accent1"/>
+          </a:effectRef>
+          <a:fontRef idx="minor">
+            <a:schemeClr val="lt1"/>
+          </a:fontRef>
+        </p:style>
+        <p:txBody>
+          <a:bodyPr rtlCol="0" anchor="ctr"/>
+          <a:lstStyle/>
+          <a:p>
+            <a:pPr algn="ctr"/>
+            <a:r>
+              <a:rPr lang="en-US" altLang="ko-KR" sz="1100" b="1" dirty="0" smtClean="0"/>
+              <a:t>1</a:t>
+            </a:r>
+            <a:endParaRPr lang="ko-KR" altLang="en-US" sz="1100" b="1" dirty="0"/>
+          </a:p>
+        </p:txBody>
+      </p:sp>
     </p:spTree>
     <p:extLst>
       <p:ext uri="{BB962C8B-B14F-4D97-AF65-F5344CB8AC3E}">

--- a/0 발표용 파워포인트/포맷 변경.pptx
+++ b/0 발표용 파워포인트/포맷 변경.pptx
@@ -15,21 +15,16 @@
   <p:notesSz cx="6858000" cy="9144000"/>
   <p:embeddedFontLst>
     <p:embeddedFont>
-      <p:font typeface="맑은 고딕" pitchFamily="50" charset="-127"/>
+      <p:font typeface="Montserrat" charset="0"/>
       <p:regular r:id="rId5"/>
       <p:bold r:id="rId6"/>
+      <p:italic r:id="rId7"/>
+      <p:boldItalic r:id="rId8"/>
     </p:embeddedFont>
     <p:embeddedFont>
-      <p:font typeface="Montserrat" charset="0"/>
-      <p:regular r:id="rId7"/>
-      <p:bold r:id="rId8"/>
-      <p:italic r:id="rId9"/>
-      <p:boldItalic r:id="rId10"/>
-    </p:embeddedFont>
-    <p:embeddedFont>
-      <p:font typeface="나눔바른고딕" pitchFamily="50" charset="-127"/>
-      <p:regular r:id="rId11"/>
-      <p:bold r:id="rId12"/>
+      <p:font typeface="맑은 고딕" pitchFamily="50" charset="-127"/>
+      <p:regular r:id="rId9"/>
+      <p:bold r:id="rId10"/>
     </p:embeddedFont>
   </p:embeddedFontLst>
   <p:defaultTextStyle>
@@ -2333,8 +2328,8 @@
         </p:nvSpPr>
         <p:spPr>
           <a:xfrm>
-            <a:off x="395057" y="195487"/>
-            <a:ext cx="8569432" cy="4794697"/>
+            <a:off x="354418" y="253948"/>
+            <a:ext cx="8713448" cy="4794697"/>
           </a:xfrm>
           <a:prstGeom prst="rect">
             <a:avLst/>
@@ -4751,162 +4746,6 @@
           </a:p>
         </p:txBody>
       </p:sp>
-      <p:sp>
-        <p:nvSpPr>
-          <p:cNvPr id="27" name="직사각형 26"/>
-          <p:cNvSpPr/>
-          <p:nvPr/>
-        </p:nvSpPr>
-        <p:spPr>
-          <a:xfrm>
-            <a:off x="1693546" y="533598"/>
-            <a:ext cx="6592433" cy="386644"/>
-          </a:xfrm>
-          <a:prstGeom prst="rect">
-            <a:avLst/>
-          </a:prstGeom>
-        </p:spPr>
-        <p:txBody>
-          <a:bodyPr wrap="square" lIns="68580" tIns="34290" rIns="68580" bIns="34290">
-            <a:spAutoFit/>
-          </a:bodyPr>
-          <a:lstStyle/>
-          <a:p>
-            <a:pPr>
-              <a:lnSpc>
-                <a:spcPct val="150000"/>
-              </a:lnSpc>
-            </a:pPr>
-            <a:r>
-              <a:rPr lang="en-US" altLang="ko-KR" sz="1500" b="1" dirty="0">
-                <a:solidFill>
-                  <a:schemeClr val="tx1">
-                    <a:lumMod val="75000"/>
-                    <a:lumOff val="25000"/>
-                  </a:schemeClr>
-                </a:solidFill>
-                <a:latin typeface="나눔바른고딕" pitchFamily="50" charset="-127"/>
-                <a:ea typeface="나눔바른고딕" pitchFamily="50" charset="-127"/>
-              </a:rPr>
-              <a:t>[ </a:t>
-            </a:r>
-            <a:r>
-              <a:rPr lang="ko-KR" altLang="en-US" sz="1500" b="1" dirty="0">
-                <a:solidFill>
-                  <a:schemeClr val="tx1">
-                    <a:lumMod val="75000"/>
-                    <a:lumOff val="25000"/>
-                  </a:schemeClr>
-                </a:solidFill>
-                <a:latin typeface="나눔바른고딕" pitchFamily="50" charset="-127"/>
-                <a:ea typeface="나눔바른고딕" pitchFamily="50" charset="-127"/>
-              </a:rPr>
-              <a:t>화면설계 </a:t>
-            </a:r>
-            <a:r>
-              <a:rPr lang="en-US" altLang="ko-KR" sz="1500" b="1" dirty="0">
-                <a:solidFill>
-                  <a:schemeClr val="tx1">
-                    <a:lumMod val="75000"/>
-                    <a:lumOff val="25000"/>
-                  </a:schemeClr>
-                </a:solidFill>
-                <a:latin typeface="나눔바른고딕" pitchFamily="50" charset="-127"/>
-                <a:ea typeface="나눔바른고딕" pitchFamily="50" charset="-127"/>
-              </a:rPr>
-              <a:t>] </a:t>
-            </a:r>
-            <a:r>
-              <a:rPr lang="ko-KR" altLang="en-US" sz="1500" b="1" dirty="0" smtClean="0">
-                <a:solidFill>
-                  <a:schemeClr val="tx1">
-                    <a:lumMod val="75000"/>
-                    <a:lumOff val="25000"/>
-                  </a:schemeClr>
-                </a:solidFill>
-                <a:latin typeface="나눔바른고딕" pitchFamily="50" charset="-127"/>
-                <a:ea typeface="나눔바른고딕" pitchFamily="50" charset="-127"/>
-              </a:rPr>
-              <a:t>상품상세보기 </a:t>
-            </a:r>
-            <a:r>
-              <a:rPr lang="en-US" altLang="ko-KR" sz="1500" b="1" dirty="0" smtClean="0">
-                <a:solidFill>
-                  <a:schemeClr val="tx1">
-                    <a:lumMod val="75000"/>
-                    <a:lumOff val="25000"/>
-                  </a:schemeClr>
-                </a:solidFill>
-                <a:latin typeface="나눔바른고딕" pitchFamily="50" charset="-127"/>
-                <a:ea typeface="나눔바른고딕" pitchFamily="50" charset="-127"/>
-              </a:rPr>
-              <a:t>- </a:t>
-            </a:r>
-            <a:r>
-              <a:rPr lang="ko-KR" altLang="en-US" sz="1500" b="1" dirty="0" err="1" smtClean="0">
-                <a:solidFill>
-                  <a:schemeClr val="tx1">
-                    <a:lumMod val="75000"/>
-                    <a:lumOff val="25000"/>
-                  </a:schemeClr>
-                </a:solidFill>
-                <a:latin typeface="나눔바른고딕" pitchFamily="50" charset="-127"/>
-                <a:ea typeface="나눔바른고딕" pitchFamily="50" charset="-127"/>
-              </a:rPr>
-              <a:t>리워드</a:t>
-            </a:r>
-            <a:r>
-              <a:rPr lang="ko-KR" altLang="en-US" sz="1500" b="1" dirty="0" smtClean="0">
-                <a:solidFill>
-                  <a:schemeClr val="tx1">
-                    <a:lumMod val="75000"/>
-                    <a:lumOff val="25000"/>
-                  </a:schemeClr>
-                </a:solidFill>
-                <a:latin typeface="나눔바른고딕" pitchFamily="50" charset="-127"/>
-                <a:ea typeface="나눔바른고딕" pitchFamily="50" charset="-127"/>
-              </a:rPr>
-              <a:t> 스토어 </a:t>
-            </a:r>
-            <a:r>
-              <a:rPr lang="en-US" altLang="ko-KR" sz="1500" b="1" dirty="0" smtClean="0">
-                <a:solidFill>
-                  <a:schemeClr val="tx1">
-                    <a:lumMod val="75000"/>
-                    <a:lumOff val="25000"/>
-                  </a:schemeClr>
-                </a:solidFill>
-                <a:latin typeface="나눔바른고딕" pitchFamily="50" charset="-127"/>
-                <a:ea typeface="나눔바른고딕" pitchFamily="50" charset="-127"/>
-              </a:rPr>
-              <a:t>- </a:t>
-            </a:r>
-            <a:r>
-              <a:rPr lang="ko-KR" altLang="en-US" sz="1500" b="1" dirty="0" smtClean="0">
-                <a:solidFill>
-                  <a:schemeClr val="tx1">
-                    <a:lumMod val="75000"/>
-                    <a:lumOff val="25000"/>
-                  </a:schemeClr>
-                </a:solidFill>
-                <a:latin typeface="나눔바른고딕" pitchFamily="50" charset="-127"/>
-                <a:ea typeface="나눔바른고딕" pitchFamily="50" charset="-127"/>
-              </a:rPr>
-              <a:t>사용자</a:t>
-            </a:r>
-            <a:endParaRPr lang="ko-KR" altLang="en-US" sz="1500" b="1" dirty="0">
-              <a:solidFill>
-                <a:schemeClr val="tx1">
-                  <a:lumMod val="75000"/>
-                  <a:lumOff val="25000"/>
-                </a:schemeClr>
-              </a:solidFill>
-              <a:latin typeface="나눔바른고딕" pitchFamily="50" charset="-127"/>
-              <a:ea typeface="나눔바른고딕" pitchFamily="50" charset="-127"/>
-            </a:endParaRPr>
-          </a:p>
-        </p:txBody>
-      </p:sp>
       <p:pic>
         <p:nvPicPr>
           <p:cNvPr id="7" name="그림 6"/>
@@ -5305,7 +5144,7 @@
         </p:blipFill>
         <p:spPr bwMode="auto">
           <a:xfrm>
-            <a:off x="810878" y="453678"/>
+            <a:off x="523438" y="418283"/>
             <a:ext cx="863854" cy="575340"/>
           </a:xfrm>
           <a:prstGeom prst="rect">
@@ -5383,6 +5222,165 @@
               <a:t>1</a:t>
             </a:r>
             <a:endParaRPr lang="ko-KR" altLang="en-US" sz="1100" b="1" dirty="0"/>
+          </a:p>
+        </p:txBody>
+      </p:sp>
+      <p:sp>
+        <p:nvSpPr>
+          <p:cNvPr id="17" name="직사각형 16"/>
+          <p:cNvSpPr/>
+          <p:nvPr/>
+        </p:nvSpPr>
+        <p:spPr>
+          <a:xfrm>
+            <a:off x="1383556" y="418283"/>
+            <a:ext cx="6592433" cy="484748"/>
+          </a:xfrm>
+          <a:prstGeom prst="rect">
+            <a:avLst/>
+          </a:prstGeom>
+        </p:spPr>
+        <p:txBody>
+          <a:bodyPr wrap="square" lIns="68580" tIns="34290" rIns="68580" bIns="34290">
+            <a:spAutoFit/>
+          </a:bodyPr>
+          <a:lstStyle/>
+          <a:p>
+            <a:pPr>
+              <a:lnSpc>
+                <a:spcPct val="150000"/>
+              </a:lnSpc>
+            </a:pPr>
+            <a:r>
+              <a:rPr lang="en-US" altLang="ko-KR" sz="1800" b="1" dirty="0">
+                <a:solidFill>
+                  <a:schemeClr val="tx1">
+                    <a:lumMod val="75000"/>
+                    <a:lumOff val="25000"/>
+                  </a:schemeClr>
+                </a:solidFill>
+                <a:latin typeface="+mj-ea"/>
+                <a:ea typeface="+mj-ea"/>
+              </a:rPr>
+              <a:t>[ </a:t>
+            </a:r>
+            <a:r>
+              <a:rPr lang="ko-KR" altLang="en-US" sz="1800" b="1" dirty="0">
+                <a:solidFill>
+                  <a:schemeClr val="tx1">
+                    <a:lumMod val="75000"/>
+                    <a:lumOff val="25000"/>
+                  </a:schemeClr>
+                </a:solidFill>
+                <a:latin typeface="+mj-ea"/>
+                <a:ea typeface="+mj-ea"/>
+              </a:rPr>
+              <a:t>화면설계 </a:t>
+            </a:r>
+            <a:r>
+              <a:rPr lang="en-US" altLang="ko-KR" sz="1800" b="1" dirty="0">
+                <a:solidFill>
+                  <a:schemeClr val="tx1">
+                    <a:lumMod val="75000"/>
+                    <a:lumOff val="25000"/>
+                  </a:schemeClr>
+                </a:solidFill>
+                <a:latin typeface="+mj-ea"/>
+                <a:ea typeface="+mj-ea"/>
+              </a:rPr>
+              <a:t>] </a:t>
+            </a:r>
+            <a:r>
+              <a:rPr lang="ko-KR" altLang="en-US" sz="1800" b="1" dirty="0" smtClean="0">
+                <a:solidFill>
+                  <a:schemeClr val="tx1">
+                    <a:lumMod val="75000"/>
+                    <a:lumOff val="25000"/>
+                  </a:schemeClr>
+                </a:solidFill>
+                <a:latin typeface="+mj-ea"/>
+                <a:ea typeface="+mj-ea"/>
+              </a:rPr>
+              <a:t>상품목록 </a:t>
+            </a:r>
+            <a:r>
+              <a:rPr lang="en-US" altLang="ko-KR" sz="1800" b="1" dirty="0" smtClean="0">
+                <a:solidFill>
+                  <a:schemeClr val="tx1">
+                    <a:lumMod val="75000"/>
+                    <a:lumOff val="25000"/>
+                  </a:schemeClr>
+                </a:solidFill>
+                <a:latin typeface="+mj-ea"/>
+                <a:ea typeface="+mj-ea"/>
+              </a:rPr>
+              <a:t>– </a:t>
+            </a:r>
+            <a:r>
+              <a:rPr lang="ko-KR" altLang="en-US" sz="1800" b="1" dirty="0" err="1">
+                <a:solidFill>
+                  <a:schemeClr val="tx1">
+                    <a:lumMod val="75000"/>
+                    <a:lumOff val="25000"/>
+                  </a:schemeClr>
+                </a:solidFill>
+                <a:latin typeface="+mj-ea"/>
+                <a:ea typeface="+mj-ea"/>
+              </a:rPr>
+              <a:t>리워드</a:t>
+            </a:r>
+            <a:r>
+              <a:rPr lang="ko-KR" altLang="en-US" sz="1800" b="1" dirty="0">
+                <a:solidFill>
+                  <a:schemeClr val="tx1">
+                    <a:lumMod val="75000"/>
+                    <a:lumOff val="25000"/>
+                  </a:schemeClr>
+                </a:solidFill>
+                <a:latin typeface="+mj-ea"/>
+                <a:ea typeface="+mj-ea"/>
+              </a:rPr>
+              <a:t> 스토어 </a:t>
+            </a:r>
+            <a:r>
+              <a:rPr lang="en-US" altLang="ko-KR" sz="1800" b="1" dirty="0" smtClean="0">
+                <a:solidFill>
+                  <a:schemeClr val="tx1">
+                    <a:lumMod val="75000"/>
+                    <a:lumOff val="25000"/>
+                  </a:schemeClr>
+                </a:solidFill>
+                <a:latin typeface="+mj-ea"/>
+                <a:ea typeface="+mj-ea"/>
+              </a:rPr>
+              <a:t>- </a:t>
+            </a:r>
+            <a:r>
+              <a:rPr lang="ko-KR" altLang="en-US" sz="1800" b="1" dirty="0" smtClean="0">
+                <a:solidFill>
+                  <a:schemeClr val="tx1">
+                    <a:lumMod val="75000"/>
+                    <a:lumOff val="25000"/>
+                  </a:schemeClr>
+                </a:solidFill>
+                <a:latin typeface="+mj-ea"/>
+                <a:ea typeface="+mj-ea"/>
+              </a:rPr>
+              <a:t>사용</a:t>
+            </a:r>
+            <a:r>
+              <a:rPr lang="ko-KR" altLang="en-US" sz="1800" b="1" dirty="0">
+                <a:solidFill>
+                  <a:schemeClr val="tx1">
+                    <a:lumMod val="75000"/>
+                    <a:lumOff val="25000"/>
+                  </a:schemeClr>
+                </a:solidFill>
+                <a:latin typeface="+mj-ea"/>
+                <a:ea typeface="+mj-ea"/>
+              </a:rPr>
+              <a:t>자</a:t>
+            </a:r>
           </a:p>
         </p:txBody>
       </p:sp>

--- a/0 발표용 파워포인트/포맷 변경.pptx
+++ b/0 발표용 파워포인트/포맷 변경.pptx
@@ -15,14 +15,14 @@
   <p:notesSz cx="6858000" cy="9144000"/>
   <p:embeddedFontLst>
     <p:embeddedFont>
-      <p:font typeface="Montserrat" charset="0"/>
+      <p:font typeface="Montserrat" panose="020B0604020202020204" charset="0"/>
       <p:regular r:id="rId5"/>
       <p:bold r:id="rId6"/>
       <p:italic r:id="rId7"/>
       <p:boldItalic r:id="rId8"/>
     </p:embeddedFont>
     <p:embeddedFont>
-      <p:font typeface="맑은 고딕" pitchFamily="50" charset="-127"/>
+      <p:font typeface="나눔바른고딕" panose="020B0603020101020101" pitchFamily="50" charset="-127"/>
       <p:regular r:id="rId9"/>
       <p:bold r:id="rId10"/>
     </p:embeddedFont>
@@ -256,6 +256,22 @@
       </a:defRPr>
     </a:lvl9pPr>
   </p:defaultTextStyle>
+  <p:extLst>
+    <p:ext uri="{EFAFB233-063F-42B5-8137-9DF3F51BA10A}">
+      <p15:sldGuideLst xmlns:p15="http://schemas.microsoft.com/office/powerpoint/2012/main">
+        <p15:guide id="1" orient="horz" pos="1620">
+          <p15:clr>
+            <a:srgbClr val="A4A3A4"/>
+          </p15:clr>
+        </p15:guide>
+        <p15:guide id="2" pos="2880">
+          <p15:clr>
+            <a:srgbClr val="A4A3A4"/>
+          </p15:clr>
+        </p15:guide>
+      </p15:sldGuideLst>
+    </p:ext>
+  </p:extLst>
 </p:presentation>
 </file>
 
@@ -461,7 +477,7 @@
             </a:lvl9pPr>
           </a:lstStyle>
           <a:p>
-            <a:endParaRPr/>
+            <a:endParaRPr dirty="0"/>
           </a:p>
         </p:txBody>
       </p:sp>
@@ -503,8 +519,8 @@
         <a:solidFill>
           <a:srgbClr val="000000"/>
         </a:solidFill>
-        <a:latin typeface="Arial"/>
-        <a:ea typeface="Arial"/>
+        <a:latin typeface="나눔바른고딕" panose="020B0603020101020101" pitchFamily="50" charset="-127"/>
+        <a:ea typeface="나눔바른고딕" panose="020B0603020101020101" pitchFamily="50" charset="-127"/>
         <a:cs typeface="Arial"/>
         <a:sym typeface="Arial"/>
       </a:defRPr>
@@ -735,13 +751,20 @@
         <p:spPr/>
         <p:txBody>
           <a:bodyPr/>
-          <a:lstStyle/>
+          <a:lstStyle>
+            <a:lvl1pPr>
+              <a:defRPr>
+                <a:latin typeface="나눔바른고딕" panose="020B0603020101020101" pitchFamily="50" charset="-127"/>
+                <a:ea typeface="나눔바른고딕" panose="020B0603020101020101" pitchFamily="50" charset="-127"/>
+              </a:defRPr>
+            </a:lvl1pPr>
+          </a:lstStyle>
           <a:p>
             <a:r>
-              <a:rPr lang="ko-KR" altLang="en-US" smtClean="0"/>
+              <a:rPr lang="ko-KR" altLang="en-US" dirty="0" smtClean="0"/>
               <a:t>마스터 제목 스타일 편집</a:t>
             </a:r>
-            <a:endParaRPr lang="ko-KR" altLang="en-US"/>
+            <a:endParaRPr lang="ko-KR" altLang="en-US" dirty="0"/>
           </a:p>
         </p:txBody>
       </p:sp>
@@ -818,13 +841,21 @@
         </p:spPr>
         <p:txBody>
           <a:bodyPr lIns="68580" tIns="34290" rIns="68580" bIns="34290"/>
-          <a:lstStyle/>
+          <a:lstStyle>
+            <a:lvl1pPr>
+              <a:defRPr>
+                <a:latin typeface="나눔바른고딕" panose="020B0603020101020101" pitchFamily="50" charset="-127"/>
+                <a:ea typeface="나눔바른고딕" panose="020B0603020101020101" pitchFamily="50" charset="-127"/>
+              </a:defRPr>
+            </a:lvl1pPr>
+          </a:lstStyle>
           <a:p>
             <a:fld id="{C7351A05-FE79-4763-A84F-D4FE701A9E82}" type="datetimeFigureOut">
               <a:rPr lang="ko-KR" altLang="en-US" smtClean="0"/>
-              <a:t>2020-05-08</a:t>
+              <a:pPr/>
+              <a:t>2020-05-08 Fri</a:t>
             </a:fld>
-            <a:endParaRPr lang="ko-KR" altLang="en-US"/>
+            <a:endParaRPr lang="ko-KR" altLang="en-US" dirty="0"/>
           </a:p>
         </p:txBody>
       </p:sp>
@@ -849,9 +880,16 @@
         </p:spPr>
         <p:txBody>
           <a:bodyPr lIns="68580" tIns="34290" rIns="68580" bIns="34290"/>
-          <a:lstStyle/>
+          <a:lstStyle>
+            <a:lvl1pPr>
+              <a:defRPr>
+                <a:latin typeface="나눔바른고딕" panose="020B0603020101020101" pitchFamily="50" charset="-127"/>
+                <a:ea typeface="나눔바른고딕" panose="020B0603020101020101" pitchFamily="50" charset="-127"/>
+              </a:defRPr>
+            </a:lvl1pPr>
+          </a:lstStyle>
           <a:p>
-            <a:endParaRPr lang="ko-KR" altLang="en-US"/>
+            <a:endParaRPr lang="ko-KR" altLang="en-US" dirty="0"/>
           </a:p>
         </p:txBody>
       </p:sp>
@@ -1153,7 +1191,7 @@
             </a:lvl9pPr>
           </a:lstStyle>
           <a:p>
-            <a:endParaRPr/>
+            <a:endParaRPr dirty="0"/>
           </a:p>
         </p:txBody>
       </p:sp>
@@ -1432,9 +1470,9 @@
                 <a:solidFill>
                   <a:srgbClr val="FF9E00"/>
                 </a:solidFill>
-                <a:latin typeface="Montserrat"/>
-                <a:ea typeface="Montserrat"/>
-                <a:cs typeface="Montserrat"/>
+                <a:latin typeface="나눔바른고딕" panose="020B0603020101020101" pitchFamily="50" charset="-127"/>
+                <a:ea typeface="나눔바른고딕" panose="020B0603020101020101" pitchFamily="50" charset="-127"/>
+                <a:cs typeface="나눔바른고딕" panose="020B0603020101020101" pitchFamily="50" charset="-127"/>
                 <a:sym typeface="Montserrat"/>
               </a:defRPr>
             </a:lvl1pPr>
@@ -1536,20 +1574,12 @@
             </a:lvl9pPr>
           </a:lstStyle>
           <a:p>
-            <a:pPr marL="0" lvl="0" indent="0" algn="ctr" rtl="0">
-              <a:spcBef>
-                <a:spcPts val="0"/>
-              </a:spcBef>
-              <a:spcAft>
-                <a:spcPts val="0"/>
-              </a:spcAft>
-              <a:buNone/>
-            </a:pPr>
             <a:fld id="{00000000-1234-1234-1234-123412341234}" type="slidenum">
-              <a:rPr lang="en"/>
+              <a:rPr lang="en" smtClean="0"/>
+              <a:pPr/>
               <a:t>‹#›</a:t>
             </a:fld>
-            <a:endParaRPr/>
+            <a:endParaRPr lang="en" dirty="0"/>
           </a:p>
         </p:txBody>
       </p:sp>
@@ -1594,8 +1624,8 @@
           <a:solidFill>
             <a:srgbClr val="000000"/>
           </a:solidFill>
-          <a:latin typeface="Arial"/>
-          <a:ea typeface="Arial"/>
+          <a:latin typeface="나눔바른고딕" panose="020B0603020101020101" pitchFamily="50" charset="-127"/>
+          <a:ea typeface="나눔바른고딕" panose="020B0603020101020101" pitchFamily="50" charset="-127"/>
           <a:cs typeface="Arial"/>
           <a:sym typeface="Arial"/>
         </a:defRPr>
@@ -2316,20 +2346,23 @@
           <a:lstStyle/>
           <a:p>
             <a:pPr algn="ctr"/>
-            <a:endParaRPr lang="ko-KR" altLang="en-US" sz="1800"/>
+            <a:endParaRPr lang="ko-KR" altLang="en-US" sz="1800" dirty="0">
+              <a:latin typeface="나눔바른고딕" panose="020B0603020101020101" pitchFamily="50" charset="-127"/>
+              <a:ea typeface="나눔바른고딕" panose="020B0603020101020101" pitchFamily="50" charset="-127"/>
+            </a:endParaRPr>
           </a:p>
         </p:txBody>
       </p:sp>
       <p:sp>
         <p:nvSpPr>
-          <p:cNvPr id="5" name="직사각형 4"/>
+          <p:cNvPr id="20" name="직사각형 19"/>
           <p:cNvSpPr/>
           <p:nvPr/>
         </p:nvSpPr>
         <p:spPr>
           <a:xfrm>
-            <a:off x="354418" y="253948"/>
-            <a:ext cx="8713448" cy="4794697"/>
+            <a:off x="500910" y="248892"/>
+            <a:ext cx="8569432" cy="4794697"/>
           </a:xfrm>
           <a:prstGeom prst="rect">
             <a:avLst/>
@@ -2384,7 +2417,10 @@
           <a:lstStyle/>
           <a:p>
             <a:pPr algn="ctr"/>
-            <a:endParaRPr lang="ko-KR" altLang="en-US" sz="1800"/>
+            <a:endParaRPr lang="ko-KR" altLang="en-US" sz="1800" dirty="0">
+              <a:latin typeface="나눔바른고딕" panose="020B0603020101020101" pitchFamily="50" charset="-127"/>
+              <a:ea typeface="나눔바른고딕" panose="020B0603020101020101" pitchFamily="50" charset="-127"/>
+            </a:endParaRPr>
           </a:p>
         </p:txBody>
       </p:sp>
@@ -2557,7 +2593,10 @@
             <a:lstStyle/>
             <a:p>
               <a:pPr algn="ctr"/>
-              <a:endParaRPr lang="ko-KR" altLang="en-US" sz="1800"/>
+              <a:endParaRPr lang="ko-KR" altLang="en-US" sz="1800" dirty="0">
+                <a:latin typeface="나눔바른고딕" panose="020B0603020101020101" pitchFamily="50" charset="-127"/>
+                <a:ea typeface="나눔바른고딕" panose="020B0603020101020101" pitchFamily="50" charset="-127"/>
+              </a:endParaRPr>
             </a:p>
           </p:txBody>
         </p:sp>
@@ -2716,7 +2755,10 @@
             <a:lstStyle/>
             <a:p>
               <a:pPr algn="ctr"/>
-              <a:endParaRPr lang="ko-KR" altLang="en-US" sz="1800"/>
+              <a:endParaRPr lang="ko-KR" altLang="en-US" sz="1800" dirty="0">
+                <a:latin typeface="나눔바른고딕" panose="020B0603020101020101" pitchFamily="50" charset="-127"/>
+                <a:ea typeface="나눔바른고딕" panose="020B0603020101020101" pitchFamily="50" charset="-127"/>
+              </a:endParaRPr>
             </a:p>
           </p:txBody>
         </p:sp>
@@ -2875,7 +2917,10 @@
             <a:lstStyle/>
             <a:p>
               <a:pPr algn="ctr"/>
-              <a:endParaRPr lang="ko-KR" altLang="en-US" sz="1800"/>
+              <a:endParaRPr lang="ko-KR" altLang="en-US" sz="1800" dirty="0">
+                <a:latin typeface="나눔바른고딕" panose="020B0603020101020101" pitchFamily="50" charset="-127"/>
+                <a:ea typeface="나눔바른고딕" panose="020B0603020101020101" pitchFamily="50" charset="-127"/>
+              </a:endParaRPr>
             </a:p>
           </p:txBody>
         </p:sp>
@@ -3034,7 +3079,10 @@
             <a:lstStyle/>
             <a:p>
               <a:pPr algn="ctr"/>
-              <a:endParaRPr lang="ko-KR" altLang="en-US" sz="1800"/>
+              <a:endParaRPr lang="ko-KR" altLang="en-US" sz="1800" dirty="0">
+                <a:latin typeface="나눔바른고딕" panose="020B0603020101020101" pitchFamily="50" charset="-127"/>
+                <a:ea typeface="나눔바른고딕" panose="020B0603020101020101" pitchFamily="50" charset="-127"/>
+              </a:endParaRPr>
             </a:p>
           </p:txBody>
         </p:sp>
@@ -3048,7 +3096,7 @@
         <p:spPr>
           <a:xfrm>
             <a:off x="1383556" y="418283"/>
-            <a:ext cx="6592433" cy="484748"/>
+            <a:ext cx="6592433" cy="450123"/>
           </a:xfrm>
           <a:prstGeom prst="rect">
             <a:avLst/>
@@ -3073,8 +3121,8 @@
                     <a:lumOff val="25000"/>
                   </a:schemeClr>
                 </a:solidFill>
-                <a:latin typeface="+mj-ea"/>
-                <a:ea typeface="+mj-ea"/>
+                <a:latin typeface="나눔바른고딕" panose="020B0603020101020101" pitchFamily="50" charset="-127"/>
+                <a:ea typeface="나눔바른고딕" panose="020B0603020101020101" pitchFamily="50" charset="-127"/>
               </a:rPr>
               <a:t>[ </a:t>
             </a:r>
@@ -3086,8 +3134,8 @@
                     <a:lumOff val="25000"/>
                   </a:schemeClr>
                 </a:solidFill>
-                <a:latin typeface="+mj-ea"/>
-                <a:ea typeface="+mj-ea"/>
+                <a:latin typeface="나눔바른고딕" panose="020B0603020101020101" pitchFamily="50" charset="-127"/>
+                <a:ea typeface="나눔바른고딕" panose="020B0603020101020101" pitchFamily="50" charset="-127"/>
               </a:rPr>
               <a:t>화면설계 </a:t>
             </a:r>
@@ -3099,8 +3147,8 @@
                     <a:lumOff val="25000"/>
                   </a:schemeClr>
                 </a:solidFill>
-                <a:latin typeface="+mj-ea"/>
-                <a:ea typeface="+mj-ea"/>
+                <a:latin typeface="나눔바른고딕" panose="020B0603020101020101" pitchFamily="50" charset="-127"/>
+                <a:ea typeface="나눔바른고딕" panose="020B0603020101020101" pitchFamily="50" charset="-127"/>
               </a:rPr>
               <a:t>] </a:t>
             </a:r>
@@ -3112,8 +3160,8 @@
                     <a:lumOff val="25000"/>
                   </a:schemeClr>
                 </a:solidFill>
-                <a:latin typeface="+mj-ea"/>
-                <a:ea typeface="+mj-ea"/>
+                <a:latin typeface="나눔바른고딕" panose="020B0603020101020101" pitchFamily="50" charset="-127"/>
+                <a:ea typeface="나눔바른고딕" panose="020B0603020101020101" pitchFamily="50" charset="-127"/>
               </a:rPr>
               <a:t>상품목록 </a:t>
             </a:r>
@@ -3125,8 +3173,8 @@
                     <a:lumOff val="25000"/>
                   </a:schemeClr>
                 </a:solidFill>
-                <a:latin typeface="+mj-ea"/>
-                <a:ea typeface="+mj-ea"/>
+                <a:latin typeface="나눔바른고딕" panose="020B0603020101020101" pitchFamily="50" charset="-127"/>
+                <a:ea typeface="나눔바른고딕" panose="020B0603020101020101" pitchFamily="50" charset="-127"/>
               </a:rPr>
               <a:t>– </a:t>
             </a:r>
@@ -3138,8 +3186,8 @@
                     <a:lumOff val="25000"/>
                   </a:schemeClr>
                 </a:solidFill>
-                <a:latin typeface="+mj-ea"/>
-                <a:ea typeface="+mj-ea"/>
+                <a:latin typeface="나눔바른고딕" panose="020B0603020101020101" pitchFamily="50" charset="-127"/>
+                <a:ea typeface="나눔바른고딕" panose="020B0603020101020101" pitchFamily="50" charset="-127"/>
               </a:rPr>
               <a:t>리워드</a:t>
             </a:r>
@@ -3151,8 +3199,8 @@
                     <a:lumOff val="25000"/>
                   </a:schemeClr>
                 </a:solidFill>
-                <a:latin typeface="+mj-ea"/>
-                <a:ea typeface="+mj-ea"/>
+                <a:latin typeface="나눔바른고딕" panose="020B0603020101020101" pitchFamily="50" charset="-127"/>
+                <a:ea typeface="나눔바른고딕" panose="020B0603020101020101" pitchFamily="50" charset="-127"/>
               </a:rPr>
               <a:t> 스토어 </a:t>
             </a:r>
@@ -3164,8 +3212,8 @@
                     <a:lumOff val="25000"/>
                   </a:schemeClr>
                 </a:solidFill>
-                <a:latin typeface="+mj-ea"/>
-                <a:ea typeface="+mj-ea"/>
+                <a:latin typeface="나눔바른고딕" panose="020B0603020101020101" pitchFamily="50" charset="-127"/>
+                <a:ea typeface="나눔바른고딕" panose="020B0603020101020101" pitchFamily="50" charset="-127"/>
               </a:rPr>
               <a:t>- </a:t>
             </a:r>
@@ -3177,8 +3225,8 @@
                     <a:lumOff val="25000"/>
                   </a:schemeClr>
                 </a:solidFill>
-                <a:latin typeface="+mj-ea"/>
-                <a:ea typeface="+mj-ea"/>
+                <a:latin typeface="나눔바른고딕" panose="020B0603020101020101" pitchFamily="50" charset="-127"/>
+                <a:ea typeface="나눔바른고딕" panose="020B0603020101020101" pitchFamily="50" charset="-127"/>
               </a:rPr>
               <a:t>사용</a:t>
             </a:r>
@@ -3190,8 +3238,8 @@
                     <a:lumOff val="25000"/>
                   </a:schemeClr>
                 </a:solidFill>
-                <a:latin typeface="+mj-ea"/>
-                <a:ea typeface="+mj-ea"/>
+                <a:latin typeface="나눔바른고딕" panose="020B0603020101020101" pitchFamily="50" charset="-127"/>
+                <a:ea typeface="나눔바른고딕" panose="020B0603020101020101" pitchFamily="50" charset="-127"/>
               </a:rPr>
               <a:t>자</a:t>
             </a:r>
@@ -3235,8 +3283,8 @@
                           <a:solidFill>
                             <a:schemeClr val="tx1"/>
                           </a:solidFill>
-                          <a:latin typeface="+mj-ea"/>
-                          <a:ea typeface="+mj-ea"/>
+                          <a:latin typeface="나눔바른고딕" panose="020B0603020101020101" pitchFamily="50" charset="-127"/>
+                          <a:ea typeface="나눔바른고딕" panose="020B0603020101020101" pitchFamily="50" charset="-127"/>
                         </a:rPr>
                         <a:t>화면코드</a:t>
                       </a:r>
@@ -3244,8 +3292,8 @@
                         <a:solidFill>
                           <a:schemeClr val="tx1"/>
                         </a:solidFill>
-                        <a:latin typeface="+mj-ea"/>
-                        <a:ea typeface="+mj-ea"/>
+                        <a:latin typeface="나눔바른고딕" panose="020B0603020101020101" pitchFamily="50" charset="-127"/>
+                        <a:ea typeface="나눔바른고딕" panose="020B0603020101020101" pitchFamily="50" charset="-127"/>
                       </a:endParaRPr>
                     </a:p>
                   </a:txBody>
@@ -3264,15 +3312,15 @@
                     <a:p>
                       <a:pPr algn="ctr" latinLnBrk="1"/>
                       <a:r>
-                        <a:rPr lang="en-US" altLang="ko-KR" sz="1100" smtClean="0">
-                          <a:latin typeface="+mj-ea"/>
-                          <a:ea typeface="+mj-ea"/>
+                        <a:rPr lang="en-US" altLang="ko-KR" sz="1100" dirty="0" err="1" smtClean="0">
+                          <a:latin typeface="나눔바른고딕" panose="020B0603020101020101" pitchFamily="50" charset="-127"/>
+                          <a:ea typeface="나눔바른고딕" panose="020B0603020101020101" pitchFamily="50" charset="-127"/>
                         </a:rPr>
                         <a:t>Kb_w_user_StoreList</a:t>
                       </a:r>
                       <a:endParaRPr lang="ko-KR" altLang="en-US" sz="1100" dirty="0">
-                        <a:latin typeface="+mj-ea"/>
-                        <a:ea typeface="+mj-ea"/>
+                        <a:latin typeface="나눔바른고딕" panose="020B0603020101020101" pitchFamily="50" charset="-127"/>
+                        <a:ea typeface="나눔바른고딕" panose="020B0603020101020101" pitchFamily="50" charset="-127"/>
                       </a:endParaRPr>
                     </a:p>
                   </a:txBody>
@@ -3325,8 +3373,10 @@
           <a:lstStyle/>
           <a:p>
             <a:pPr algn="ctr"/>
-            <a:endParaRPr lang="ko-KR" altLang="en-US" sz="1800">
+            <a:endParaRPr lang="ko-KR" altLang="en-US" sz="1800" dirty="0">
               <a:noFill/>
+              <a:latin typeface="나눔바른고딕" panose="020B0603020101020101" pitchFamily="50" charset="-127"/>
+              <a:ea typeface="나눔바른고딕" panose="020B0603020101020101" pitchFamily="50" charset="-127"/>
             </a:endParaRPr>
           </a:p>
         </p:txBody>
@@ -3347,7 +3397,7 @@
         </p:nvGraphicFramePr>
         <p:xfrm>
           <a:off x="6876256" y="1859365"/>
-          <a:ext cx="2016224" cy="2799407"/>
+          <a:ext cx="2016224" cy="2792422"/>
         </p:xfrm>
         <a:graphic>
           <a:graphicData uri="http://schemas.openxmlformats.org/drawingml/2006/table">
@@ -3366,14 +3416,14 @@
                       <a:pPr algn="ctr" latinLnBrk="1"/>
                       <a:r>
                         <a:rPr lang="en-US" altLang="ko-KR" sz="900" b="1" dirty="0" smtClean="0">
-                          <a:latin typeface="+mj-ea"/>
-                          <a:ea typeface="+mj-ea"/>
+                          <a:latin typeface="나눔바른고딕" panose="020B0603020101020101" pitchFamily="50" charset="-127"/>
+                          <a:ea typeface="나눔바른고딕" panose="020B0603020101020101" pitchFamily="50" charset="-127"/>
                         </a:rPr>
                         <a:t>#</a:t>
                       </a:r>
                       <a:endParaRPr lang="ko-KR" altLang="en-US" sz="900" b="1" dirty="0">
-                        <a:latin typeface="+mj-ea"/>
-                        <a:ea typeface="+mj-ea"/>
+                        <a:latin typeface="나눔바른고딕" panose="020B0603020101020101" pitchFamily="50" charset="-127"/>
+                        <a:ea typeface="나눔바른고딕" panose="020B0603020101020101" pitchFamily="50" charset="-127"/>
                       </a:endParaRPr>
                     </a:p>
                   </a:txBody>
@@ -3391,14 +3441,14 @@
                       <a:pPr algn="ctr" latinLnBrk="1"/>
                       <a:r>
                         <a:rPr lang="ko-KR" altLang="en-US" sz="900" b="1" dirty="0" smtClean="0">
-                          <a:latin typeface="+mj-ea"/>
-                          <a:ea typeface="+mj-ea"/>
+                          <a:latin typeface="나눔바른고딕" panose="020B0603020101020101" pitchFamily="50" charset="-127"/>
+                          <a:ea typeface="나눔바른고딕" panose="020B0603020101020101" pitchFamily="50" charset="-127"/>
                         </a:rPr>
                         <a:t>기능</a:t>
                       </a:r>
                       <a:endParaRPr lang="ko-KR" altLang="en-US" sz="900" b="1" dirty="0">
-                        <a:latin typeface="+mj-ea"/>
-                        <a:ea typeface="+mj-ea"/>
+                        <a:latin typeface="나눔바른고딕" panose="020B0603020101020101" pitchFamily="50" charset="-127"/>
+                        <a:ea typeface="나눔바른고딕" panose="020B0603020101020101" pitchFamily="50" charset="-127"/>
                       </a:endParaRPr>
                     </a:p>
                   </a:txBody>
@@ -3418,14 +3468,14 @@
                       <a:pPr algn="ctr" latinLnBrk="0"/>
                       <a:r>
                         <a:rPr lang="en-US" altLang="ko-KR" sz="1000" dirty="0" smtClean="0">
-                          <a:latin typeface="+mj-ea"/>
-                          <a:ea typeface="+mj-ea"/>
+                          <a:latin typeface="나눔바른고딕" panose="020B0603020101020101" pitchFamily="50" charset="-127"/>
+                          <a:ea typeface="나눔바른고딕" panose="020B0603020101020101" pitchFamily="50" charset="-127"/>
                         </a:rPr>
                         <a:t>1</a:t>
                       </a:r>
                       <a:endParaRPr lang="ko-KR" altLang="en-US" sz="1000" dirty="0">
-                        <a:latin typeface="+mj-ea"/>
-                        <a:ea typeface="+mj-ea"/>
+                        <a:latin typeface="나눔바른고딕" panose="020B0603020101020101" pitchFamily="50" charset="-127"/>
+                        <a:ea typeface="나눔바른고딕" panose="020B0603020101020101" pitchFamily="50" charset="-127"/>
                       </a:endParaRPr>
                     </a:p>
                   </a:txBody>
@@ -3443,14 +3493,14 @@
                       </a:pPr>
                       <a:r>
                         <a:rPr lang="ko-KR" altLang="en-US" sz="900" b="1" dirty="0" smtClean="0">
-                          <a:latin typeface="+mj-ea"/>
-                          <a:ea typeface="+mj-ea"/>
+                          <a:latin typeface="나눔바른고딕" panose="020B0603020101020101" pitchFamily="50" charset="-127"/>
+                          <a:ea typeface="나눔바른고딕" panose="020B0603020101020101" pitchFamily="50" charset="-127"/>
                         </a:rPr>
                         <a:t>카테고리</a:t>
                       </a:r>
                       <a:endParaRPr lang="en-US" altLang="ko-KR" sz="900" b="1" dirty="0" smtClean="0">
-                        <a:latin typeface="+mj-ea"/>
-                        <a:ea typeface="+mj-ea"/>
+                        <a:latin typeface="나눔바른고딕" panose="020B0603020101020101" pitchFamily="50" charset="-127"/>
+                        <a:ea typeface="나눔바른고딕" panose="020B0603020101020101" pitchFamily="50" charset="-127"/>
                       </a:endParaRPr>
                     </a:p>
                     <a:p>
@@ -3463,21 +3513,21 @@
                       </a:pPr>
                       <a:r>
                         <a:rPr lang="ko-KR" altLang="en-US" sz="900" b="0" dirty="0" smtClean="0">
-                          <a:latin typeface="+mj-ea"/>
-                          <a:ea typeface="+mj-ea"/>
+                          <a:latin typeface="나눔바른고딕" panose="020B0603020101020101" pitchFamily="50" charset="-127"/>
+                          <a:ea typeface="나눔바른고딕" panose="020B0603020101020101" pitchFamily="50" charset="-127"/>
                         </a:rPr>
                         <a:t>카테고리 별로</a:t>
                       </a:r>
                       <a:r>
                         <a:rPr lang="ko-KR" altLang="en-US" sz="900" b="0" baseline="0" dirty="0" smtClean="0">
-                          <a:latin typeface="+mj-ea"/>
-                          <a:ea typeface="+mj-ea"/>
+                          <a:latin typeface="나눔바른고딕" panose="020B0603020101020101" pitchFamily="50" charset="-127"/>
+                          <a:ea typeface="나눔바른고딕" panose="020B0603020101020101" pitchFamily="50" charset="-127"/>
                         </a:rPr>
                         <a:t> 상품 목록을 보여줌</a:t>
                       </a:r>
                       <a:endParaRPr lang="ko-KR" altLang="en-US" sz="900" b="0" dirty="0">
-                        <a:latin typeface="+mj-ea"/>
-                        <a:ea typeface="+mj-ea"/>
+                        <a:latin typeface="나눔바른고딕" panose="020B0603020101020101" pitchFamily="50" charset="-127"/>
+                        <a:ea typeface="나눔바른고딕" panose="020B0603020101020101" pitchFamily="50" charset="-127"/>
                       </a:endParaRPr>
                     </a:p>
                   </a:txBody>
@@ -3493,14 +3543,14 @@
                       <a:pPr algn="ctr" latinLnBrk="0"/>
                       <a:r>
                         <a:rPr lang="en-US" altLang="ko-KR" sz="1000" dirty="0" smtClean="0">
-                          <a:latin typeface="+mj-ea"/>
-                          <a:ea typeface="+mj-ea"/>
+                          <a:latin typeface="나눔바른고딕" panose="020B0603020101020101" pitchFamily="50" charset="-127"/>
+                          <a:ea typeface="나눔바른고딕" panose="020B0603020101020101" pitchFamily="50" charset="-127"/>
                         </a:rPr>
                         <a:t>2</a:t>
                       </a:r>
                       <a:endParaRPr lang="ko-KR" altLang="en-US" sz="1000" dirty="0">
-                        <a:latin typeface="+mj-ea"/>
-                        <a:ea typeface="+mj-ea"/>
+                        <a:latin typeface="나눔바른고딕" panose="020B0603020101020101" pitchFamily="50" charset="-127"/>
+                        <a:ea typeface="나눔바른고딕" panose="020B0603020101020101" pitchFamily="50" charset="-127"/>
                       </a:endParaRPr>
                     </a:p>
                   </a:txBody>
@@ -3520,8 +3570,8 @@
                         <a:solidFill>
                           <a:srgbClr val="000000"/>
                         </a:solidFill>
-                        <a:latin typeface="+mj-ea"/>
-                        <a:ea typeface="Arial"/>
+                        <a:latin typeface="나눔바른고딕" panose="020B0603020101020101" pitchFamily="50" charset="-127"/>
+                        <a:ea typeface="나눔바른고딕" panose="020B0603020101020101" pitchFamily="50" charset="-127"/>
                         <a:cs typeface="Arial"/>
                         <a:sym typeface="Arial"/>
                       </a:endParaRPr>
@@ -3538,15 +3588,15 @@
                     <a:p>
                       <a:pPr algn="ctr" latinLnBrk="0"/>
                       <a:r>
-                        <a:rPr lang="en-US" altLang="ko-KR" sz="1000" smtClean="0">
-                          <a:latin typeface="+mj-ea"/>
-                          <a:ea typeface="+mj-ea"/>
+                        <a:rPr lang="en-US" altLang="ko-KR" sz="1000" dirty="0" smtClean="0">
+                          <a:latin typeface="나눔바른고딕" panose="020B0603020101020101" pitchFamily="50" charset="-127"/>
+                          <a:ea typeface="나눔바른고딕" panose="020B0603020101020101" pitchFamily="50" charset="-127"/>
                         </a:rPr>
                         <a:t>3</a:t>
                       </a:r>
                       <a:endParaRPr lang="ko-KR" altLang="en-US" sz="1000" dirty="0">
-                        <a:latin typeface="+mj-ea"/>
-                        <a:ea typeface="+mj-ea"/>
+                        <a:latin typeface="나눔바른고딕" panose="020B0603020101020101" pitchFamily="50" charset="-127"/>
+                        <a:ea typeface="나눔바른고딕" panose="020B0603020101020101" pitchFamily="50" charset="-127"/>
                       </a:endParaRPr>
                     </a:p>
                   </a:txBody>
@@ -3563,8 +3613,8 @@
                         </a:lnSpc>
                       </a:pPr>
                       <a:endParaRPr lang="ko-KR" altLang="en-US" sz="900" dirty="0">
-                        <a:latin typeface="+mj-ea"/>
-                        <a:ea typeface="+mj-ea"/>
+                        <a:latin typeface="나눔바른고딕" panose="020B0603020101020101" pitchFamily="50" charset="-127"/>
+                        <a:ea typeface="나눔바른고딕" panose="020B0603020101020101" pitchFamily="50" charset="-127"/>
                       </a:endParaRPr>
                     </a:p>
                   </a:txBody>
@@ -3580,14 +3630,14 @@
                       <a:pPr algn="ctr" latinLnBrk="0"/>
                       <a:r>
                         <a:rPr lang="en-US" altLang="ko-KR" sz="1000" dirty="0" smtClean="0">
-                          <a:latin typeface="+mj-ea"/>
-                          <a:ea typeface="+mj-ea"/>
+                          <a:latin typeface="나눔바른고딕" panose="020B0603020101020101" pitchFamily="50" charset="-127"/>
+                          <a:ea typeface="나눔바른고딕" panose="020B0603020101020101" pitchFamily="50" charset="-127"/>
                         </a:rPr>
                         <a:t>4</a:t>
                       </a:r>
                       <a:endParaRPr lang="ko-KR" altLang="en-US" sz="1000" dirty="0">
-                        <a:latin typeface="+mj-ea"/>
-                        <a:ea typeface="+mj-ea"/>
+                        <a:latin typeface="나눔바른고딕" panose="020B0603020101020101" pitchFamily="50" charset="-127"/>
+                        <a:ea typeface="나눔바른고딕" panose="020B0603020101020101" pitchFamily="50" charset="-127"/>
                       </a:endParaRPr>
                     </a:p>
                   </a:txBody>
@@ -3604,8 +3654,8 @@
                         </a:lnSpc>
                       </a:pPr>
                       <a:endParaRPr lang="ko-KR" altLang="en-US" sz="900" dirty="0">
-                        <a:latin typeface="+mj-ea"/>
-                        <a:ea typeface="+mj-ea"/>
+                        <a:latin typeface="나눔바른고딕" panose="020B0603020101020101" pitchFamily="50" charset="-127"/>
+                        <a:ea typeface="나눔바른고딕" panose="020B0603020101020101" pitchFamily="50" charset="-127"/>
                       </a:endParaRPr>
                     </a:p>
                   </a:txBody>
@@ -3621,14 +3671,14 @@
                       <a:pPr algn="ctr" latinLnBrk="0"/>
                       <a:r>
                         <a:rPr lang="en-US" altLang="ko-KR" sz="1000" dirty="0" smtClean="0">
-                          <a:latin typeface="+mj-ea"/>
-                          <a:ea typeface="+mj-ea"/>
+                          <a:latin typeface="나눔바른고딕" panose="020B0603020101020101" pitchFamily="50" charset="-127"/>
+                          <a:ea typeface="나눔바른고딕" panose="020B0603020101020101" pitchFamily="50" charset="-127"/>
                         </a:rPr>
                         <a:t>5</a:t>
                       </a:r>
                       <a:endParaRPr lang="ko-KR" altLang="en-US" sz="1000" dirty="0">
-                        <a:latin typeface="+mj-ea"/>
-                        <a:ea typeface="+mj-ea"/>
+                        <a:latin typeface="나눔바른고딕" panose="020B0603020101020101" pitchFamily="50" charset="-127"/>
+                        <a:ea typeface="나눔바른고딕" panose="020B0603020101020101" pitchFamily="50" charset="-127"/>
                       </a:endParaRPr>
                     </a:p>
                   </a:txBody>
@@ -3645,8 +3695,8 @@
                         </a:lnSpc>
                       </a:pPr>
                       <a:endParaRPr lang="ko-KR" altLang="en-US" sz="900" dirty="0">
-                        <a:latin typeface="+mj-ea"/>
-                        <a:ea typeface="+mj-ea"/>
+                        <a:latin typeface="나눔바른고딕" panose="020B0603020101020101" pitchFamily="50" charset="-127"/>
+                        <a:ea typeface="나눔바른고딕" panose="020B0603020101020101" pitchFamily="50" charset="-127"/>
                       </a:endParaRPr>
                     </a:p>
                   </a:txBody>
@@ -3802,10 +3852,16 @@
           <a:p>
             <a:pPr algn="ctr"/>
             <a:r>
-              <a:rPr lang="en-US" altLang="ko-KR" sz="1100" b="1" dirty="0" smtClean="0"/>
+              <a:rPr lang="en-US" altLang="ko-KR" sz="1100" b="1" dirty="0" smtClean="0">
+                <a:latin typeface="나눔바른고딕" panose="020B0603020101020101" pitchFamily="50" charset="-127"/>
+                <a:ea typeface="나눔바른고딕" panose="020B0603020101020101" pitchFamily="50" charset="-127"/>
+              </a:rPr>
               <a:t>1</a:t>
             </a:r>
-            <a:endParaRPr lang="ko-KR" altLang="en-US" sz="1100" b="1" dirty="0"/>
+            <a:endParaRPr lang="ko-KR" altLang="en-US" sz="1100" b="1" dirty="0">
+              <a:latin typeface="나눔바른고딕" panose="020B0603020101020101" pitchFamily="50" charset="-127"/>
+              <a:ea typeface="나눔바른고딕" panose="020B0603020101020101" pitchFamily="50" charset="-127"/>
+            </a:endParaRPr>
           </a:p>
         </p:txBody>
       </p:sp>
@@ -3890,7 +3946,10 @@
           <a:lstStyle/>
           <a:p>
             <a:pPr algn="ctr"/>
-            <a:endParaRPr lang="ko-KR" altLang="en-US" sz="1800"/>
+            <a:endParaRPr lang="ko-KR" altLang="en-US" sz="1800" dirty="0">
+              <a:latin typeface="나눔바른고딕" panose="020B0603020101020101" pitchFamily="50" charset="-127"/>
+              <a:ea typeface="나눔바른고딕" panose="020B0603020101020101" pitchFamily="50" charset="-127"/>
+            </a:endParaRPr>
           </a:p>
         </p:txBody>
       </p:sp>
@@ -3958,7 +4017,10 @@
           <a:lstStyle/>
           <a:p>
             <a:pPr algn="ctr"/>
-            <a:endParaRPr lang="ko-KR" altLang="en-US" sz="1800"/>
+            <a:endParaRPr lang="ko-KR" altLang="en-US" sz="1800" dirty="0">
+              <a:latin typeface="나눔바른고딕" panose="020B0603020101020101" pitchFamily="50" charset="-127"/>
+              <a:ea typeface="나눔바른고딕" panose="020B0603020101020101" pitchFamily="50" charset="-127"/>
+            </a:endParaRPr>
           </a:p>
         </p:txBody>
       </p:sp>
@@ -4131,7 +4193,10 @@
             <a:lstStyle/>
             <a:p>
               <a:pPr algn="ctr"/>
-              <a:endParaRPr lang="ko-KR" altLang="en-US" sz="1800"/>
+              <a:endParaRPr lang="ko-KR" altLang="en-US" sz="1800" dirty="0">
+                <a:latin typeface="나눔바른고딕" panose="020B0603020101020101" pitchFamily="50" charset="-127"/>
+                <a:ea typeface="나눔바른고딕" panose="020B0603020101020101" pitchFamily="50" charset="-127"/>
+              </a:endParaRPr>
             </a:p>
           </p:txBody>
         </p:sp>
@@ -4290,7 +4355,10 @@
             <a:lstStyle/>
             <a:p>
               <a:pPr algn="ctr"/>
-              <a:endParaRPr lang="ko-KR" altLang="en-US" sz="1800"/>
+              <a:endParaRPr lang="ko-KR" altLang="en-US" sz="1800" dirty="0">
+                <a:latin typeface="나눔바른고딕" panose="020B0603020101020101" pitchFamily="50" charset="-127"/>
+                <a:ea typeface="나눔바른고딕" panose="020B0603020101020101" pitchFamily="50" charset="-127"/>
+              </a:endParaRPr>
             </a:p>
           </p:txBody>
         </p:sp>
@@ -4449,7 +4517,10 @@
             <a:lstStyle/>
             <a:p>
               <a:pPr algn="ctr"/>
-              <a:endParaRPr lang="ko-KR" altLang="en-US" sz="1800"/>
+              <a:endParaRPr lang="ko-KR" altLang="en-US" sz="1800" dirty="0">
+                <a:latin typeface="나눔바른고딕" panose="020B0603020101020101" pitchFamily="50" charset="-127"/>
+                <a:ea typeface="나눔바른고딕" panose="020B0603020101020101" pitchFamily="50" charset="-127"/>
+              </a:endParaRPr>
             </a:p>
           </p:txBody>
         </p:sp>
@@ -4608,7 +4679,10 @@
             <a:lstStyle/>
             <a:p>
               <a:pPr algn="ctr"/>
-              <a:endParaRPr lang="ko-KR" altLang="en-US" sz="1800"/>
+              <a:endParaRPr lang="ko-KR" altLang="en-US" sz="1800" dirty="0">
+                <a:latin typeface="나눔바른고딕" panose="020B0603020101020101" pitchFamily="50" charset="-127"/>
+                <a:ea typeface="나눔바른고딕" panose="020B0603020101020101" pitchFamily="50" charset="-127"/>
+              </a:endParaRPr>
             </a:p>
           </p:txBody>
         </p:sp>
@@ -4650,8 +4724,8 @@
                           <a:solidFill>
                             <a:schemeClr val="tx1"/>
                           </a:solidFill>
-                          <a:latin typeface="+mj-ea"/>
-                          <a:ea typeface="+mj-ea"/>
+                          <a:latin typeface="나눔바른고딕" panose="020B0603020101020101" pitchFamily="50" charset="-127"/>
+                          <a:ea typeface="나눔바른고딕" panose="020B0603020101020101" pitchFamily="50" charset="-127"/>
                         </a:rPr>
                         <a:t>화면코드</a:t>
                       </a:r>
@@ -4659,8 +4733,8 @@
                         <a:solidFill>
                           <a:schemeClr val="tx1"/>
                         </a:solidFill>
-                        <a:latin typeface="+mj-ea"/>
-                        <a:ea typeface="+mj-ea"/>
+                        <a:latin typeface="나눔바른고딕" panose="020B0603020101020101" pitchFamily="50" charset="-127"/>
+                        <a:ea typeface="나눔바른고딕" panose="020B0603020101020101" pitchFamily="50" charset="-127"/>
                       </a:endParaRPr>
                     </a:p>
                   </a:txBody>
@@ -4679,15 +4753,15 @@
                     <a:p>
                       <a:pPr algn="ctr" latinLnBrk="1"/>
                       <a:r>
-                        <a:rPr lang="en-US" altLang="ko-KR" sz="1100" smtClean="0">
-                          <a:latin typeface="+mj-ea"/>
-                          <a:ea typeface="+mj-ea"/>
+                        <a:rPr lang="en-US" altLang="ko-KR" sz="1100" dirty="0" err="1" smtClean="0">
+                          <a:latin typeface="나눔바른고딕" panose="020B0603020101020101" pitchFamily="50" charset="-127"/>
+                          <a:ea typeface="나눔바른고딕" panose="020B0603020101020101" pitchFamily="50" charset="-127"/>
                         </a:rPr>
                         <a:t>Kb_m_StoreDetail</a:t>
                       </a:r>
                       <a:endParaRPr lang="ko-KR" altLang="en-US" sz="1100" dirty="0">
-                        <a:latin typeface="+mj-ea"/>
-                        <a:ea typeface="+mj-ea"/>
+                        <a:latin typeface="나눔바른고딕" panose="020B0603020101020101" pitchFamily="50" charset="-127"/>
+                        <a:ea typeface="나눔바른고딕" panose="020B0603020101020101" pitchFamily="50" charset="-127"/>
                       </a:endParaRPr>
                     </a:p>
                   </a:txBody>
@@ -4740,8 +4814,10 @@
           <a:lstStyle/>
           <a:p>
             <a:pPr algn="ctr"/>
-            <a:endParaRPr lang="ko-KR" altLang="en-US" sz="1800">
+            <a:endParaRPr lang="ko-KR" altLang="en-US" sz="1800" dirty="0">
               <a:noFill/>
+              <a:latin typeface="나눔바른고딕" panose="020B0603020101020101" pitchFamily="50" charset="-127"/>
+              <a:ea typeface="나눔바른고딕" panose="020B0603020101020101" pitchFamily="50" charset="-127"/>
             </a:endParaRPr>
           </a:p>
         </p:txBody>
@@ -4786,7 +4862,7 @@
         </p:nvGraphicFramePr>
         <p:xfrm>
           <a:off x="6876256" y="1859365"/>
-          <a:ext cx="2016224" cy="2799407"/>
+          <a:ext cx="2016224" cy="2792422"/>
         </p:xfrm>
         <a:graphic>
           <a:graphicData uri="http://schemas.openxmlformats.org/drawingml/2006/table">
@@ -4805,14 +4881,14 @@
                       <a:pPr algn="ctr" latinLnBrk="1"/>
                       <a:r>
                         <a:rPr lang="en-US" altLang="ko-KR" sz="900" b="1" dirty="0" smtClean="0">
-                          <a:latin typeface="+mj-ea"/>
-                          <a:ea typeface="+mj-ea"/>
+                          <a:latin typeface="나눔바른고딕" panose="020B0603020101020101" pitchFamily="50" charset="-127"/>
+                          <a:ea typeface="나눔바른고딕" panose="020B0603020101020101" pitchFamily="50" charset="-127"/>
                         </a:rPr>
                         <a:t>#</a:t>
                       </a:r>
                       <a:endParaRPr lang="ko-KR" altLang="en-US" sz="900" b="1" dirty="0">
-                        <a:latin typeface="+mj-ea"/>
-                        <a:ea typeface="+mj-ea"/>
+                        <a:latin typeface="나눔바른고딕" panose="020B0603020101020101" pitchFamily="50" charset="-127"/>
+                        <a:ea typeface="나눔바른고딕" panose="020B0603020101020101" pitchFamily="50" charset="-127"/>
                       </a:endParaRPr>
                     </a:p>
                   </a:txBody>
@@ -4830,14 +4906,14 @@
                       <a:pPr algn="ctr" latinLnBrk="1"/>
                       <a:r>
                         <a:rPr lang="ko-KR" altLang="en-US" sz="900" b="1" dirty="0" smtClean="0">
-                          <a:latin typeface="+mj-ea"/>
-                          <a:ea typeface="+mj-ea"/>
+                          <a:latin typeface="나눔바른고딕" panose="020B0603020101020101" pitchFamily="50" charset="-127"/>
+                          <a:ea typeface="나눔바른고딕" panose="020B0603020101020101" pitchFamily="50" charset="-127"/>
                         </a:rPr>
                         <a:t>기능</a:t>
                       </a:r>
                       <a:endParaRPr lang="ko-KR" altLang="en-US" sz="900" b="1" dirty="0">
-                        <a:latin typeface="+mj-ea"/>
-                        <a:ea typeface="+mj-ea"/>
+                        <a:latin typeface="나눔바른고딕" panose="020B0603020101020101" pitchFamily="50" charset="-127"/>
+                        <a:ea typeface="나눔바른고딕" panose="020B0603020101020101" pitchFamily="50" charset="-127"/>
                       </a:endParaRPr>
                     </a:p>
                   </a:txBody>
@@ -4857,14 +4933,14 @@
                       <a:pPr algn="ctr" latinLnBrk="1"/>
                       <a:r>
                         <a:rPr lang="en-US" altLang="ko-KR" sz="1000" dirty="0" smtClean="0">
-                          <a:latin typeface="+mj-ea"/>
-                          <a:ea typeface="+mj-ea"/>
+                          <a:latin typeface="나눔바른고딕" panose="020B0603020101020101" pitchFamily="50" charset="-127"/>
+                          <a:ea typeface="나눔바른고딕" panose="020B0603020101020101" pitchFamily="50" charset="-127"/>
                         </a:rPr>
                         <a:t>1</a:t>
                       </a:r>
                       <a:endParaRPr lang="ko-KR" altLang="en-US" sz="1000" dirty="0">
-                        <a:latin typeface="+mj-ea"/>
-                        <a:ea typeface="+mj-ea"/>
+                        <a:latin typeface="나눔바른고딕" panose="020B0603020101020101" pitchFamily="50" charset="-127"/>
+                        <a:ea typeface="나눔바른고딕" panose="020B0603020101020101" pitchFamily="50" charset="-127"/>
                       </a:endParaRPr>
                     </a:p>
                   </a:txBody>
@@ -4885,8 +4961,8 @@
                           <a:solidFill>
                             <a:schemeClr val="tx1"/>
                           </a:solidFill>
-                          <a:latin typeface="+mj-ea"/>
-                          <a:ea typeface="+mn-ea"/>
+                          <a:latin typeface="나눔바른고딕" panose="020B0603020101020101" pitchFamily="50" charset="-127"/>
+                          <a:ea typeface="나눔바른고딕" panose="020B0603020101020101" pitchFamily="50" charset="-127"/>
                           <a:cs typeface="+mn-cs"/>
                           <a:sym typeface="Arial"/>
                         </a:rPr>
@@ -4896,8 +4972,8 @@
                         <a:solidFill>
                           <a:schemeClr val="tx1"/>
                         </a:solidFill>
-                        <a:latin typeface="+mj-ea"/>
-                        <a:ea typeface="+mn-ea"/>
+                        <a:latin typeface="나눔바른고딕" panose="020B0603020101020101" pitchFamily="50" charset="-127"/>
+                        <a:ea typeface="나눔바른고딕" panose="020B0603020101020101" pitchFamily="50" charset="-127"/>
                         <a:cs typeface="+mn-cs"/>
                         <a:sym typeface="Arial"/>
                       </a:endParaRPr>
@@ -4915,8 +4991,8 @@
                           <a:solidFill>
                             <a:schemeClr val="tx1"/>
                           </a:solidFill>
-                          <a:latin typeface="+mj-ea"/>
-                          <a:ea typeface="+mn-ea"/>
+                          <a:latin typeface="나눔바른고딕" panose="020B0603020101020101" pitchFamily="50" charset="-127"/>
+                          <a:ea typeface="나눔바른고딕" panose="020B0603020101020101" pitchFamily="50" charset="-127"/>
                           <a:cs typeface="+mn-cs"/>
                           <a:sym typeface="Arial"/>
                         </a:rPr>
@@ -4927,8 +5003,8 @@
                           <a:solidFill>
                             <a:schemeClr val="tx1"/>
                           </a:solidFill>
-                          <a:latin typeface="+mj-ea"/>
-                          <a:ea typeface="+mn-ea"/>
+                          <a:latin typeface="나눔바른고딕" panose="020B0603020101020101" pitchFamily="50" charset="-127"/>
+                          <a:ea typeface="나눔바른고딕" panose="020B0603020101020101" pitchFamily="50" charset="-127"/>
                           <a:cs typeface="+mn-cs"/>
                           <a:sym typeface="Arial"/>
                         </a:rPr>
@@ -4938,8 +5014,8 @@
                         <a:solidFill>
                           <a:schemeClr val="tx1"/>
                         </a:solidFill>
-                        <a:latin typeface="+mj-ea"/>
-                        <a:ea typeface="+mn-ea"/>
+                        <a:latin typeface="나눔바른고딕" panose="020B0603020101020101" pitchFamily="50" charset="-127"/>
+                        <a:ea typeface="나눔바른고딕" panose="020B0603020101020101" pitchFamily="50" charset="-127"/>
                         <a:cs typeface="+mn-cs"/>
                         <a:sym typeface="Arial"/>
                       </a:endParaRPr>
@@ -4957,14 +5033,14 @@
                       <a:pPr algn="ctr" latinLnBrk="1"/>
                       <a:r>
                         <a:rPr lang="en-US" altLang="ko-KR" sz="1000" dirty="0" smtClean="0">
-                          <a:latin typeface="+mj-ea"/>
-                          <a:ea typeface="+mj-ea"/>
+                          <a:latin typeface="나눔바른고딕" panose="020B0603020101020101" pitchFamily="50" charset="-127"/>
+                          <a:ea typeface="나눔바른고딕" panose="020B0603020101020101" pitchFamily="50" charset="-127"/>
                         </a:rPr>
                         <a:t>2</a:t>
                       </a:r>
                       <a:endParaRPr lang="ko-KR" altLang="en-US" sz="1000" dirty="0">
-                        <a:latin typeface="+mj-ea"/>
-                        <a:ea typeface="+mj-ea"/>
+                        <a:latin typeface="나눔바른고딕" panose="020B0603020101020101" pitchFamily="50" charset="-127"/>
+                        <a:ea typeface="나눔바른고딕" panose="020B0603020101020101" pitchFamily="50" charset="-127"/>
                       </a:endParaRPr>
                     </a:p>
                   </a:txBody>
@@ -4984,8 +5060,8 @@
                         <a:solidFill>
                           <a:srgbClr val="000000"/>
                         </a:solidFill>
-                        <a:latin typeface="+mj-ea"/>
-                        <a:ea typeface="Arial"/>
+                        <a:latin typeface="나눔바른고딕" panose="020B0603020101020101" pitchFamily="50" charset="-127"/>
+                        <a:ea typeface="나눔바른고딕" panose="020B0603020101020101" pitchFamily="50" charset="-127"/>
                         <a:cs typeface="Arial"/>
                         <a:sym typeface="Arial"/>
                       </a:endParaRPr>
@@ -5003,14 +5079,14 @@
                       <a:pPr algn="ctr" latinLnBrk="1"/>
                       <a:r>
                         <a:rPr lang="en-US" altLang="ko-KR" sz="1000" dirty="0" smtClean="0">
-                          <a:latin typeface="+mj-ea"/>
-                          <a:ea typeface="+mj-ea"/>
+                          <a:latin typeface="나눔바른고딕" panose="020B0603020101020101" pitchFamily="50" charset="-127"/>
+                          <a:ea typeface="나눔바른고딕" panose="020B0603020101020101" pitchFamily="50" charset="-127"/>
                         </a:rPr>
                         <a:t>3</a:t>
                       </a:r>
                       <a:endParaRPr lang="ko-KR" altLang="en-US" sz="1000" dirty="0">
-                        <a:latin typeface="+mj-ea"/>
-                        <a:ea typeface="+mj-ea"/>
+                        <a:latin typeface="나눔바른고딕" panose="020B0603020101020101" pitchFamily="50" charset="-127"/>
+                        <a:ea typeface="나눔바른고딕" panose="020B0603020101020101" pitchFamily="50" charset="-127"/>
                       </a:endParaRPr>
                     </a:p>
                   </a:txBody>
@@ -5027,8 +5103,8 @@
                         </a:lnSpc>
                       </a:pPr>
                       <a:endParaRPr lang="ko-KR" altLang="en-US" sz="900" dirty="0">
-                        <a:latin typeface="+mj-ea"/>
-                        <a:ea typeface="+mj-ea"/>
+                        <a:latin typeface="나눔바른고딕" panose="020B0603020101020101" pitchFamily="50" charset="-127"/>
+                        <a:ea typeface="나눔바른고딕" panose="020B0603020101020101" pitchFamily="50" charset="-127"/>
                       </a:endParaRPr>
                     </a:p>
                   </a:txBody>
@@ -5044,14 +5120,14 @@
                       <a:pPr algn="ctr" latinLnBrk="1"/>
                       <a:r>
                         <a:rPr lang="en-US" altLang="ko-KR" sz="1000" dirty="0" smtClean="0">
-                          <a:latin typeface="+mj-ea"/>
-                          <a:ea typeface="+mj-ea"/>
+                          <a:latin typeface="나눔바른고딕" panose="020B0603020101020101" pitchFamily="50" charset="-127"/>
+                          <a:ea typeface="나눔바른고딕" panose="020B0603020101020101" pitchFamily="50" charset="-127"/>
                         </a:rPr>
                         <a:t>4</a:t>
                       </a:r>
                       <a:endParaRPr lang="ko-KR" altLang="en-US" sz="1000" dirty="0">
-                        <a:latin typeface="+mj-ea"/>
-                        <a:ea typeface="+mj-ea"/>
+                        <a:latin typeface="나눔바른고딕" panose="020B0603020101020101" pitchFamily="50" charset="-127"/>
+                        <a:ea typeface="나눔바른고딕" panose="020B0603020101020101" pitchFamily="50" charset="-127"/>
                       </a:endParaRPr>
                     </a:p>
                   </a:txBody>
@@ -5068,8 +5144,8 @@
                         </a:lnSpc>
                       </a:pPr>
                       <a:endParaRPr lang="ko-KR" altLang="en-US" sz="900" dirty="0">
-                        <a:latin typeface="+mj-ea"/>
-                        <a:ea typeface="+mj-ea"/>
+                        <a:latin typeface="나눔바른고딕" panose="020B0603020101020101" pitchFamily="50" charset="-127"/>
+                        <a:ea typeface="나눔바른고딕" panose="020B0603020101020101" pitchFamily="50" charset="-127"/>
                       </a:endParaRPr>
                     </a:p>
                   </a:txBody>
@@ -5085,14 +5161,14 @@
                       <a:pPr algn="ctr" latinLnBrk="1"/>
                       <a:r>
                         <a:rPr lang="en-US" altLang="ko-KR" sz="1000" dirty="0" smtClean="0">
-                          <a:latin typeface="+mj-ea"/>
-                          <a:ea typeface="+mj-ea"/>
+                          <a:latin typeface="나눔바른고딕" panose="020B0603020101020101" pitchFamily="50" charset="-127"/>
+                          <a:ea typeface="나눔바른고딕" panose="020B0603020101020101" pitchFamily="50" charset="-127"/>
                         </a:rPr>
                         <a:t>5</a:t>
                       </a:r>
                       <a:endParaRPr lang="ko-KR" altLang="en-US" sz="1000" dirty="0">
-                        <a:latin typeface="+mj-ea"/>
-                        <a:ea typeface="+mj-ea"/>
+                        <a:latin typeface="나눔바른고딕" panose="020B0603020101020101" pitchFamily="50" charset="-127"/>
+                        <a:ea typeface="나눔바른고딕" panose="020B0603020101020101" pitchFamily="50" charset="-127"/>
                       </a:endParaRPr>
                     </a:p>
                   </a:txBody>
@@ -5109,8 +5185,8 @@
                         </a:lnSpc>
                       </a:pPr>
                       <a:endParaRPr lang="ko-KR" altLang="en-US" sz="900" dirty="0">
-                        <a:latin typeface="+mj-ea"/>
-                        <a:ea typeface="+mj-ea"/>
+                        <a:latin typeface="나눔바른고딕" panose="020B0603020101020101" pitchFamily="50" charset="-127"/>
+                        <a:ea typeface="나눔바른고딕" panose="020B0603020101020101" pitchFamily="50" charset="-127"/>
                       </a:endParaRPr>
                     </a:p>
                   </a:txBody>
@@ -5218,10 +5294,16 @@
           <a:p>
             <a:pPr algn="ctr"/>
             <a:r>
-              <a:rPr lang="en-US" altLang="ko-KR" sz="1100" b="1" dirty="0" smtClean="0"/>
+              <a:rPr lang="en-US" altLang="ko-KR" sz="1100" b="1" dirty="0" smtClean="0">
+                <a:latin typeface="나눔바른고딕" panose="020B0603020101020101" pitchFamily="50" charset="-127"/>
+                <a:ea typeface="나눔바른고딕" panose="020B0603020101020101" pitchFamily="50" charset="-127"/>
+              </a:rPr>
               <a:t>1</a:t>
             </a:r>
-            <a:endParaRPr lang="ko-KR" altLang="en-US" sz="1100" b="1" dirty="0"/>
+            <a:endParaRPr lang="ko-KR" altLang="en-US" sz="1100" b="1" dirty="0">
+              <a:latin typeface="나눔바른고딕" panose="020B0603020101020101" pitchFamily="50" charset="-127"/>
+              <a:ea typeface="나눔바른고딕" panose="020B0603020101020101" pitchFamily="50" charset="-127"/>
+            </a:endParaRPr>
           </a:p>
         </p:txBody>
       </p:sp>
@@ -5234,7 +5316,7 @@
         <p:spPr>
           <a:xfrm>
             <a:off x="1383556" y="418283"/>
-            <a:ext cx="6592433" cy="484748"/>
+            <a:ext cx="6592433" cy="450123"/>
           </a:xfrm>
           <a:prstGeom prst="rect">
             <a:avLst/>
@@ -5259,8 +5341,8 @@
                     <a:lumOff val="25000"/>
                   </a:schemeClr>
                 </a:solidFill>
-                <a:latin typeface="+mj-ea"/>
-                <a:ea typeface="+mj-ea"/>
+                <a:latin typeface="나눔바른고딕" panose="020B0603020101020101" pitchFamily="50" charset="-127"/>
+                <a:ea typeface="나눔바른고딕" panose="020B0603020101020101" pitchFamily="50" charset="-127"/>
               </a:rPr>
               <a:t>[ </a:t>
             </a:r>
@@ -5272,8 +5354,8 @@
                     <a:lumOff val="25000"/>
                   </a:schemeClr>
                 </a:solidFill>
-                <a:latin typeface="+mj-ea"/>
-                <a:ea typeface="+mj-ea"/>
+                <a:latin typeface="나눔바른고딕" panose="020B0603020101020101" pitchFamily="50" charset="-127"/>
+                <a:ea typeface="나눔바른고딕" panose="020B0603020101020101" pitchFamily="50" charset="-127"/>
               </a:rPr>
               <a:t>화면설계 </a:t>
             </a:r>
@@ -5285,8 +5367,8 @@
                     <a:lumOff val="25000"/>
                   </a:schemeClr>
                 </a:solidFill>
-                <a:latin typeface="+mj-ea"/>
-                <a:ea typeface="+mj-ea"/>
+                <a:latin typeface="나눔바른고딕" panose="020B0603020101020101" pitchFamily="50" charset="-127"/>
+                <a:ea typeface="나눔바른고딕" panose="020B0603020101020101" pitchFamily="50" charset="-127"/>
               </a:rPr>
               <a:t>] </a:t>
             </a:r>
@@ -5298,8 +5380,8 @@
                     <a:lumOff val="25000"/>
                   </a:schemeClr>
                 </a:solidFill>
-                <a:latin typeface="+mj-ea"/>
-                <a:ea typeface="+mj-ea"/>
+                <a:latin typeface="나눔바른고딕" panose="020B0603020101020101" pitchFamily="50" charset="-127"/>
+                <a:ea typeface="나눔바른고딕" panose="020B0603020101020101" pitchFamily="50" charset="-127"/>
               </a:rPr>
               <a:t>상품목록 </a:t>
             </a:r>
@@ -5311,8 +5393,8 @@
                     <a:lumOff val="25000"/>
                   </a:schemeClr>
                 </a:solidFill>
-                <a:latin typeface="+mj-ea"/>
-                <a:ea typeface="+mj-ea"/>
+                <a:latin typeface="나눔바른고딕" panose="020B0603020101020101" pitchFamily="50" charset="-127"/>
+                <a:ea typeface="나눔바른고딕" panose="020B0603020101020101" pitchFamily="50" charset="-127"/>
               </a:rPr>
               <a:t>– </a:t>
             </a:r>
@@ -5324,8 +5406,8 @@
                     <a:lumOff val="25000"/>
                   </a:schemeClr>
                 </a:solidFill>
-                <a:latin typeface="+mj-ea"/>
-                <a:ea typeface="+mj-ea"/>
+                <a:latin typeface="나눔바른고딕" panose="020B0603020101020101" pitchFamily="50" charset="-127"/>
+                <a:ea typeface="나눔바른고딕" panose="020B0603020101020101" pitchFamily="50" charset="-127"/>
               </a:rPr>
               <a:t>리워드</a:t>
             </a:r>
@@ -5337,8 +5419,8 @@
                     <a:lumOff val="25000"/>
                   </a:schemeClr>
                 </a:solidFill>
-                <a:latin typeface="+mj-ea"/>
-                <a:ea typeface="+mj-ea"/>
+                <a:latin typeface="나눔바른고딕" panose="020B0603020101020101" pitchFamily="50" charset="-127"/>
+                <a:ea typeface="나눔바른고딕" panose="020B0603020101020101" pitchFamily="50" charset="-127"/>
               </a:rPr>
               <a:t> 스토어 </a:t>
             </a:r>
@@ -5350,8 +5432,8 @@
                     <a:lumOff val="25000"/>
                   </a:schemeClr>
                 </a:solidFill>
-                <a:latin typeface="+mj-ea"/>
-                <a:ea typeface="+mj-ea"/>
+                <a:latin typeface="나눔바른고딕" panose="020B0603020101020101" pitchFamily="50" charset="-127"/>
+                <a:ea typeface="나눔바른고딕" panose="020B0603020101020101" pitchFamily="50" charset="-127"/>
               </a:rPr>
               <a:t>- </a:t>
             </a:r>
@@ -5363,8 +5445,8 @@
                     <a:lumOff val="25000"/>
                   </a:schemeClr>
                 </a:solidFill>
-                <a:latin typeface="+mj-ea"/>
-                <a:ea typeface="+mj-ea"/>
+                <a:latin typeface="나눔바른고딕" panose="020B0603020101020101" pitchFamily="50" charset="-127"/>
+                <a:ea typeface="나눔바른고딕" panose="020B0603020101020101" pitchFamily="50" charset="-127"/>
               </a:rPr>
               <a:t>사용</a:t>
             </a:r>
@@ -5376,8 +5458,8 @@
                     <a:lumOff val="25000"/>
                   </a:schemeClr>
                 </a:solidFill>
-                <a:latin typeface="+mj-ea"/>
-                <a:ea typeface="+mj-ea"/>
+                <a:latin typeface="나눔바른고딕" panose="020B0603020101020101" pitchFamily="50" charset="-127"/>
+                <a:ea typeface="나눔바른고딕" panose="020B0603020101020101" pitchFamily="50" charset="-127"/>
               </a:rPr>
               <a:t>자</a:t>
             </a:r>
